--- a/doc/apresentacao_projeto_arquitetural.pptx
+++ b/doc/apresentacao_projeto_arquitetural.pptx
@@ -17,6 +17,7 @@
     <p:sldId id="264" r:id="rId12"/>
     <p:sldId id="265" r:id="rId13"/>
     <p:sldId id="266" r:id="rId14"/>
+    <p:sldId id="267" r:id="rId15"/>
   </p:sldIdLst>
   <p:sldSz cx="9144000" cy="6858000"/>
   <p:notesSz cx="7559675" cy="10691812"/>
@@ -3235,7 +3236,7 @@
         <p:spPr>
           <a:xfrm>
             <a:off x="0" y="4599000"/>
-            <a:ext cx="9143280" cy="851040"/>
+            <a:ext cx="9142920" cy="850680"/>
           </a:xfrm>
           <a:prstGeom prst="rect">
             <a:avLst/>
@@ -3304,7 +3305,7 @@
         <p:spPr>
           <a:xfrm>
             <a:off x="997560" y="1805040"/>
-            <a:ext cx="7065000" cy="2588040"/>
+            <a:ext cx="7064640" cy="2587680"/>
           </a:xfrm>
           <a:prstGeom prst="roundRect">
             <a:avLst>
@@ -3338,7 +3339,7 @@
             <a:noFill/>
           </a:ln>
           <a:effectLst>
-            <a:outerShdw algn="ctr" blurRad="57785" dir="3187806" dist="32400">
+            <a:outerShdw algn="ctr" blurRad="57785" dir="3164682" dist="32112">
               <a:srgbClr val="000000">
                 <a:alpha val="30000"/>
               </a:srgbClr>
@@ -3491,7 +3492,7 @@
         <p:spPr>
           <a:xfrm>
             <a:off x="0" y="1001880"/>
-            <a:ext cx="9143280" cy="664560"/>
+            <a:ext cx="9142920" cy="664200"/>
           </a:xfrm>
           <a:prstGeom prst="rect">
             <a:avLst/>
@@ -3535,7 +3536,7 @@
         <p:spPr>
           <a:xfrm>
             <a:off x="206280" y="1100160"/>
-            <a:ext cx="8735400" cy="470880"/>
+            <a:ext cx="8735040" cy="470520"/>
           </a:xfrm>
           <a:prstGeom prst="rect">
             <a:avLst/>
@@ -3584,7 +3585,7 @@
         <p:spPr>
           <a:xfrm>
             <a:off x="179280" y="1770120"/>
-            <a:ext cx="8827200" cy="4118760"/>
+            <a:ext cx="8826840" cy="4118400"/>
           </a:xfrm>
           <a:prstGeom prst="rect">
             <a:avLst/>
@@ -3603,64 +3604,212 @@
         <p:txBody>
           <a:bodyPr lIns="90000" rIns="90000" tIns="45000" bIns="45000"/>
           <a:p>
-            <a:pPr>
-              <a:lnSpc>
-                <a:spcPts val="2801"/>
-              </a:lnSpc>
-              <a:spcBef>
-                <a:spcPts val="400"/>
-              </a:spcBef>
-              <a:spcAft>
-                <a:spcPts val="400"/>
-              </a:spcAft>
-            </a:pPr>
-            <a:r>
-              <a:rPr b="1" lang="en-US" sz="2300" spc="-1" strike="noStrike">
-                <a:solidFill>
-                  <a:srgbClr val="404040"/>
-                </a:solidFill>
-                <a:latin typeface="Calibri"/>
-                <a:ea typeface="DejaVu Sans"/>
-              </a:rPr>
-              <a:t>Apresentação dos cenários de avaliação e limitações ou riscos da arquitetura (fonte Calibri, tamanho 23)</a:t>
-            </a:r>
-            <a:endParaRPr b="0" lang="en-US" sz="2300" spc="-1" strike="noStrike">
-              <a:latin typeface="Arial"/>
-            </a:endParaRPr>
-          </a:p>
-          <a:p>
-            <a:pPr>
-              <a:lnSpc>
-                <a:spcPts val="2801"/>
-              </a:lnSpc>
-              <a:spcBef>
-                <a:spcPts val="400"/>
-              </a:spcBef>
-              <a:spcAft>
-                <a:spcPts val="400"/>
-              </a:spcAft>
-            </a:pPr>
-            <a:r>
-              <a:rPr b="1" lang="en-US" sz="2300" spc="-1" strike="noStrike">
-                <a:solidFill>
-                  <a:srgbClr val="404040"/>
-                </a:solidFill>
-                <a:latin typeface="Calibri"/>
-                <a:ea typeface="DejaVu Sans"/>
-              </a:rPr>
-              <a:t>Duração: 1’30”</a:t>
-            </a:r>
-            <a:r>
-              <a:rPr b="1" lang="en-US" sz="2000" spc="-1" strike="noStrike">
-                <a:solidFill>
-                  <a:srgbClr val="404040"/>
-                </a:solidFill>
-                <a:latin typeface="Calibri"/>
-                <a:ea typeface="DejaVu Sans"/>
-              </a:rPr>
-              <a:t> </a:t>
-            </a:r>
-            <a:endParaRPr b="0" lang="en-US" sz="2000" spc="-1" strike="noStrike">
+            <a:r>
+              <a:rPr b="1" lang="en-US" sz="1300" spc="-1" strike="noStrike">
+                <a:solidFill>
+                  <a:srgbClr val="2905e9"/>
+                </a:solidFill>
+                <a:latin typeface="Arial"/>
+                <a:ea typeface="TimesNewRomanPS-BoldMT"/>
+              </a:rPr>
+              <a:t>Cenário 1</a:t>
+            </a:r>
+            <a:r>
+              <a:rPr b="0" lang="en-US" sz="1300" spc="-1" strike="noStrike">
+                <a:solidFill>
+                  <a:srgbClr val="2905e9"/>
+                </a:solidFill>
+                <a:latin typeface="Arial"/>
+                <a:ea typeface="TimesNewRomanPS-BoldMT"/>
+              </a:rPr>
+              <a:t>: </a:t>
+            </a:r>
+            <a:r>
+              <a:rPr b="0" lang="en-US" sz="1300" spc="-1" strike="noStrike">
+                <a:solidFill>
+                  <a:srgbClr val="2905e9"/>
+                </a:solidFill>
+                <a:latin typeface="Arial"/>
+                <a:ea typeface="TimesNewRomanPSMT"/>
+              </a:rPr>
+              <a:t>ao acessar a aplicação a partir de um dispositivo móvel com dimensões de tela reduzidas os componentes do frontend devem se ajustar da melhor forma para que a experiência do usuário não seja prejudicada. Eles devem ter suas proporções redimensionadas, posicionamentos recalculados, textos omitidos e etc. A aplicação deve manter sua identidade visual quando exibe layouts ajustados.</a:t>
+            </a:r>
+            <a:endParaRPr b="0" lang="en-US" sz="1300" spc="-1" strike="noStrike">
+              <a:latin typeface="Arial"/>
+            </a:endParaRPr>
+          </a:p>
+          <a:p>
+            <a:r>
+              <a:rPr b="1" lang="en-US" sz="1300" spc="-1" strike="noStrike">
+                <a:solidFill>
+                  <a:srgbClr val="395511"/>
+                </a:solidFill>
+                <a:latin typeface="Arial"/>
+                <a:ea typeface="TimesNewRomanPS-BoldMT"/>
+              </a:rPr>
+              <a:t>Cenário 2</a:t>
+            </a:r>
+            <a:r>
+              <a:rPr b="0" lang="en-US" sz="1300" spc="-1" strike="noStrike">
+                <a:solidFill>
+                  <a:srgbClr val="395511"/>
+                </a:solidFill>
+                <a:latin typeface="Arial"/>
+                <a:ea typeface="TimesNewRomanPS-BoldMT"/>
+              </a:rPr>
+              <a:t>: </a:t>
+            </a:r>
+            <a:r>
+              <a:rPr b="0" lang="en-US" sz="1300" spc="-1" strike="noStrike">
+                <a:solidFill>
+                  <a:srgbClr val="395511"/>
+                </a:solidFill>
+                <a:latin typeface="Arial"/>
+                <a:ea typeface="TimesNewRomanPSMT"/>
+              </a:rPr>
+              <a:t>ao executar os casos de uso da aplicação o usuário deve ter uma experiência fluida e intuitiva, de modo que a organização dos componentes e os fluxos das telas não sejam entraves para o seu trabalho. O usuário deve ser capaz de inserir um registro de não conformidade em até 3 minutos.</a:t>
+            </a:r>
+            <a:endParaRPr b="0" lang="en-US" sz="1300" spc="-1" strike="noStrike">
+              <a:latin typeface="Arial"/>
+            </a:endParaRPr>
+          </a:p>
+          <a:p>
+            <a:r>
+              <a:rPr b="1" lang="en-US" sz="1300" spc="-1" strike="noStrike">
+                <a:solidFill>
+                  <a:srgbClr val="2905e9"/>
+                </a:solidFill>
+                <a:latin typeface="Arial"/>
+                <a:ea typeface="TimesNewRomanPS-BoldMT"/>
+              </a:rPr>
+              <a:t>Cenário 3</a:t>
+            </a:r>
+            <a:r>
+              <a:rPr b="0" lang="en-US" sz="1300" spc="-1" strike="noStrike">
+                <a:solidFill>
+                  <a:srgbClr val="2905e9"/>
+                </a:solidFill>
+                <a:latin typeface="Arial"/>
+                <a:ea typeface="TimesNewRomanPS-BoldMT"/>
+              </a:rPr>
+              <a:t>: </a:t>
+            </a:r>
+            <a:r>
+              <a:rPr b="0" lang="en-US" sz="1300" spc="-1" strike="noStrike">
+                <a:solidFill>
+                  <a:srgbClr val="2905e9"/>
+                </a:solidFill>
+                <a:latin typeface="Arial"/>
+                <a:ea typeface="TimesNewRomanPSMT"/>
+              </a:rPr>
+              <a:t>ao acessar os casos de uso da aplicação o usuário deve ter uma experiência vívida, sem travamentos ou lentidão. O usuário deve visualizar a primeira página da consulta de eventos operacionais em no máximo 3 segundos. Este tempo deve incluir a chamada ao backend, o processamento no microserviço, o tráfego dos dados de retorno, o processamento pelo frontend e a renderização da lista.</a:t>
+            </a:r>
+            <a:endParaRPr b="0" lang="en-US" sz="1300" spc="-1" strike="noStrike">
+              <a:latin typeface="Arial"/>
+            </a:endParaRPr>
+          </a:p>
+          <a:p>
+            <a:r>
+              <a:rPr b="1" lang="en-US" sz="1300" spc="-1" strike="noStrike">
+                <a:solidFill>
+                  <a:srgbClr val="395511"/>
+                </a:solidFill>
+                <a:latin typeface="Arial"/>
+                <a:ea typeface="TimesNewRomanPS-BoldMT"/>
+              </a:rPr>
+              <a:t>Cenário 4</a:t>
+            </a:r>
+            <a:r>
+              <a:rPr b="0" lang="en-US" sz="1300" spc="-1" strike="noStrike">
+                <a:solidFill>
+                  <a:srgbClr val="395511"/>
+                </a:solidFill>
+                <a:latin typeface="Arial"/>
+                <a:ea typeface="TimesNewRomanPS-BoldMT"/>
+              </a:rPr>
+              <a:t>: </a:t>
+            </a:r>
+            <a:r>
+              <a:rPr b="0" lang="en-US" sz="1300" spc="-1" strike="noStrike">
+                <a:solidFill>
+                  <a:srgbClr val="395511"/>
+                </a:solidFill>
+                <a:latin typeface="Arial"/>
+                <a:ea typeface="TimesNewRomanPSMT"/>
+              </a:rPr>
+              <a:t>ao tentar acessar uma tela privada da aplicação sem autenticação prévia o usuário deve ser redirecionado ao formulário de login. Entretanto, o acesso a telas públicas deve ser permitido sem autenticação. Se uma chamada a uma rota privada do microserviço de SGQ for realizada um erro apropriado deve ser retornado. Chamadas a rotas públicas devem ser permitidas.</a:t>
+            </a:r>
+            <a:endParaRPr b="0" lang="en-US" sz="1300" spc="-1" strike="noStrike">
+              <a:latin typeface="Arial"/>
+            </a:endParaRPr>
+          </a:p>
+          <a:p>
+            <a:r>
+              <a:rPr b="1" lang="en-US" sz="1300" spc="-1" strike="noStrike">
+                <a:solidFill>
+                  <a:srgbClr val="2905e9"/>
+                </a:solidFill>
+                <a:latin typeface="Arial"/>
+                <a:ea typeface="TimesNewRomanPS-BoldMT"/>
+              </a:rPr>
+              <a:t>Cenário 5</a:t>
+            </a:r>
+            <a:r>
+              <a:rPr b="0" lang="en-US" sz="1300" spc="-1" strike="noStrike">
+                <a:solidFill>
+                  <a:srgbClr val="2905e9"/>
+                </a:solidFill>
+                <a:latin typeface="Arial"/>
+                <a:ea typeface="TimesNewRomanPS-BoldMT"/>
+              </a:rPr>
+              <a:t>: </a:t>
+            </a:r>
+            <a:r>
+              <a:rPr b="0" lang="en-US" sz="1300" spc="-1" strike="noStrike">
+                <a:solidFill>
+                  <a:srgbClr val="2905e9"/>
+                </a:solidFill>
+                <a:latin typeface="Arial"/>
+                <a:ea typeface="TimesNewRomanPSMT"/>
+              </a:rPr>
+              <a:t>ao acessar uma página da aplicação que obtém dados de um serviço externo, esta deve exibir uma mensagem de erro caso o serviço esteja offline. Isso deve ser feito sem que a aplicação como um todo seja impactada. Tão logo o serviço externo seja reestabeecido a página deve exibir os dados requisitados.</a:t>
+            </a:r>
+            <a:endParaRPr b="0" lang="en-US" sz="1300" spc="-1" strike="noStrike">
+              <a:latin typeface="Arial"/>
+            </a:endParaRPr>
+          </a:p>
+          <a:p>
+            <a:r>
+              <a:rPr b="1" lang="en-US" sz="1300" spc="-1" strike="noStrike">
+                <a:solidFill>
+                  <a:srgbClr val="395511"/>
+                </a:solidFill>
+                <a:latin typeface="Arial"/>
+                <a:ea typeface="TimesNewRomanPS-BoldMT"/>
+              </a:rPr>
+              <a:t>Cenário 6</a:t>
+            </a:r>
+            <a:r>
+              <a:rPr b="0" lang="en-US" sz="1300" spc="-1" strike="noStrike">
+                <a:solidFill>
+                  <a:srgbClr val="395511"/>
+                </a:solidFill>
+                <a:latin typeface="Arial"/>
+                <a:ea typeface="TimesNewRomanPS-BoldMT"/>
+              </a:rPr>
+              <a:t>: </a:t>
+            </a:r>
+            <a:r>
+              <a:rPr b="0" lang="en-US" sz="1300" spc="-1" strike="noStrike">
+                <a:solidFill>
+                  <a:srgbClr val="395511"/>
+                </a:solidFill>
+                <a:latin typeface="Arial"/>
+                <a:ea typeface="TimesNewRomanPSMT"/>
+              </a:rPr>
+              <a:t>a arquitetura da aplicação deve permitir o escalonamento horizontal de qualquer componente quando for percebido um aumento significativo do volume de requisições de usuários. Isso deve ser feito de maneira clara e simples, sem a necessidade de configuração manual de componentes de rede ou de quaisquer outro tipo.</a:t>
+            </a:r>
+            <a:endParaRPr b="0" lang="en-US" sz="1300" spc="-1" strike="noStrike">
               <a:latin typeface="Arial"/>
             </a:endParaRPr>
           </a:p>
@@ -3681,7 +3830,7 @@
                 <a:solidFill>
                   <a:srgbClr val="404040"/>
                 </a:solidFill>
-                <a:latin typeface="Calibri"/>
+                <a:latin typeface="Arial"/>
                 <a:ea typeface="DejaVu Sans"/>
               </a:rPr>
               <a:t> </a:t>
@@ -3717,7 +3866,7 @@
         <p:spPr>
           <a:xfrm>
             <a:off x="228600" y="461880"/>
-            <a:ext cx="8825760" cy="445680"/>
+            <a:ext cx="8825400" cy="445320"/>
           </a:xfrm>
           <a:prstGeom prst="rect">
             <a:avLst/>
@@ -3823,7 +3972,7 @@
         <p:spPr>
           <a:xfrm>
             <a:off x="0" y="1001880"/>
-            <a:ext cx="9143280" cy="664560"/>
+            <a:ext cx="9142920" cy="664200"/>
           </a:xfrm>
           <a:prstGeom prst="rect">
             <a:avLst/>
@@ -3867,7 +4016,7 @@
         <p:spPr>
           <a:xfrm>
             <a:off x="206280" y="1100160"/>
-            <a:ext cx="8735400" cy="470880"/>
+            <a:ext cx="8735040" cy="470520"/>
           </a:xfrm>
           <a:prstGeom prst="rect">
             <a:avLst/>
@@ -3899,7 +4048,7 @@
                 <a:latin typeface="Calibri"/>
                 <a:ea typeface="Calibri"/>
               </a:rPr>
-              <a:t>Conclusões</a:t>
+              <a:t>Avaliação da Arquitetura</a:t>
             </a:r>
             <a:endParaRPr b="0" lang="en-US" sz="2500" spc="-1" strike="noStrike">
               <a:latin typeface="Arial"/>
@@ -3916,7 +4065,7 @@
         <p:spPr>
           <a:xfrm>
             <a:off x="179280" y="1770120"/>
-            <a:ext cx="8827200" cy="4118760"/>
+            <a:ext cx="8826840" cy="4118400"/>
           </a:xfrm>
           <a:prstGeom prst="rect">
             <a:avLst/>
@@ -3935,68 +4084,129 @@
         <p:txBody>
           <a:bodyPr lIns="90000" rIns="90000" tIns="45000" bIns="45000"/>
           <a:p>
-            <a:pPr algn="just">
+            <a:r>
+              <a:rPr b="0" lang="en-US" sz="2000" spc="-1" strike="noStrike">
+                <a:solidFill>
+                  <a:srgbClr val="000000"/>
+                </a:solidFill>
+                <a:latin typeface="Arial"/>
+                <a:ea typeface="Arial"/>
+              </a:rPr>
+              <a:t>• </a:t>
+            </a:r>
+            <a:r>
+              <a:rPr b="0" lang="en-US" sz="2000" spc="-1" strike="noStrike">
+                <a:solidFill>
+                  <a:srgbClr val="000000"/>
+                </a:solidFill>
+                <a:latin typeface="Arial"/>
+                <a:ea typeface="TimesNewRomanPSMT"/>
+              </a:rPr>
+              <a:t>A empresa deve entender o projeto como uma jornada e não apenas como um cronograma associado a um produto. Deve haver apoio total dos níveis hierárquicos superiores. Gestores devem estar cientes dos riscos, dos desafios e dos ganhos dessa jornada;</a:t>
+            </a:r>
+            <a:endParaRPr b="0" lang="en-US" sz="2000" spc="-1" strike="noStrike">
+              <a:latin typeface="Arial"/>
+            </a:endParaRPr>
+          </a:p>
+          <a:p>
+            <a:endParaRPr b="0" lang="en-US" sz="2000" spc="-1" strike="noStrike">
+              <a:latin typeface="Arial"/>
+            </a:endParaRPr>
+          </a:p>
+          <a:p>
+            <a:r>
+              <a:rPr b="0" lang="en-US" sz="2000" spc="-1" strike="noStrike">
+                <a:solidFill>
+                  <a:srgbClr val="000000"/>
+                </a:solidFill>
+                <a:latin typeface="Arial"/>
+                <a:ea typeface="Arial"/>
+              </a:rPr>
+              <a:t>• </a:t>
+            </a:r>
+            <a:r>
+              <a:rPr b="0" lang="en-US" sz="2000" spc="-1" strike="noStrike">
+                <a:solidFill>
+                  <a:srgbClr val="000000"/>
+                </a:solidFill>
+                <a:latin typeface="Arial"/>
+                <a:ea typeface="TimesNewRomanPSMT"/>
+              </a:rPr>
+              <a:t>Deve haver no projeto uma equipe madura nas habilidades de devops, pois esta arquitetura demanda muita automação, monitoramento e melhoria contínua. Caso não exista, ela deve ser formada;</a:t>
+            </a:r>
+            <a:endParaRPr b="0" lang="en-US" sz="2000" spc="-1" strike="noStrike">
+              <a:latin typeface="Arial"/>
+            </a:endParaRPr>
+          </a:p>
+          <a:p>
+            <a:endParaRPr b="0" lang="en-US" sz="2000" spc="-1" strike="noStrike">
+              <a:latin typeface="Arial"/>
+            </a:endParaRPr>
+          </a:p>
+          <a:p>
+            <a:r>
+              <a:rPr b="0" lang="en-US" sz="2000" spc="-1" strike="noStrike">
+                <a:solidFill>
+                  <a:srgbClr val="000000"/>
+                </a:solidFill>
+                <a:latin typeface="Arial"/>
+                <a:ea typeface="Arial"/>
+              </a:rPr>
+              <a:t>• </a:t>
+            </a:r>
+            <a:r>
+              <a:rPr b="0" lang="en-US" sz="2000" spc="-1" strike="noStrike">
+                <a:solidFill>
+                  <a:srgbClr val="000000"/>
+                </a:solidFill>
+                <a:latin typeface="Arial"/>
+                <a:ea typeface="TimesNewRomanPSMT"/>
+              </a:rPr>
+              <a:t>O escopo do projeto deve ser definido cuidadosamente, bem como a equipe que estará envolvida nele. Escopos muito extensos aumentam as chances de insucesso . Indivíduos multiplicadores devem ser selecionados e capacitados.</a:t>
+            </a:r>
+            <a:endParaRPr b="0" lang="en-US" sz="2000" spc="-1" strike="noStrike">
+              <a:latin typeface="Arial"/>
+            </a:endParaRPr>
+          </a:p>
+          <a:p>
+            <a:pPr>
               <a:lnSpc>
-                <a:spcPct val="115000"/>
+                <a:spcPts val="2401"/>
               </a:lnSpc>
               <a:spcBef>
-                <a:spcPts val="1534"/>
+                <a:spcPts val="400"/>
               </a:spcBef>
               <a:spcAft>
-                <a:spcPts val="2333"/>
+                <a:spcPts val="1199"/>
               </a:spcAft>
             </a:pPr>
             <a:r>
-              <a:rPr b="1" lang="en-US" sz="2300" spc="-1" strike="noStrike">
-                <a:solidFill>
-                  <a:srgbClr val="2905e9"/>
-                </a:solidFill>
-                <a:latin typeface="Calibri"/>
+              <a:rPr b="1" lang="en-US" sz="2000" spc="-1" strike="noStrike">
+                <a:solidFill>
+                  <a:srgbClr val="404040"/>
+                </a:solidFill>
+                <a:latin typeface="Arial"/>
                 <a:ea typeface="DejaVu Sans"/>
               </a:rPr>
-              <a:t>A arquitetura escolhida</a:t>
-            </a:r>
-            <a:r>
-              <a:rPr b="1" lang="en-US" sz="2300" spc="-1" strike="noStrike">
-                <a:solidFill>
-                  <a:srgbClr val="404040"/>
-                </a:solidFill>
-                <a:latin typeface="Calibri"/>
-                <a:ea typeface="DejaVu Sans"/>
-              </a:rPr>
-              <a:t>, baseada em microserviços, </a:t>
-            </a:r>
-            <a:r>
-              <a:rPr b="1" lang="en-US" sz="2300" spc="-1" strike="noStrike">
-                <a:solidFill>
-                  <a:srgbClr val="2905e9"/>
-                </a:solidFill>
-                <a:latin typeface="Calibri"/>
-                <a:ea typeface="DejaVu Sans"/>
-              </a:rPr>
-              <a:t>mostrou-se plenamente capaz de satisfazer os requisitos não funcionais da aplicação</a:t>
-            </a:r>
-            <a:r>
-              <a:rPr b="1" lang="en-US" sz="2300" spc="-1" strike="noStrike">
-                <a:solidFill>
-                  <a:srgbClr val="404040"/>
-                </a:solidFill>
-                <a:latin typeface="Calibri"/>
-                <a:ea typeface="DejaVu Sans"/>
-              </a:rPr>
-              <a:t>, conforme evidenciado anteriormente. Pôde-se verificar os pontos fortes e os pontos de atenção inerentes a esta arquitetura, bem como as características de várias ferramentas utilizadas na implementação. Em resumo, </a:t>
-            </a:r>
-            <a:r>
-              <a:rPr b="1" lang="en-US" sz="2300" spc="-1" strike="noStrike">
-                <a:solidFill>
-                  <a:srgbClr val="479e0f"/>
-                </a:solidFill>
-                <a:latin typeface="Calibri"/>
-                <a:ea typeface="DejaVu Sans"/>
-              </a:rPr>
-              <a:t>consideramos que os objetivos do projeto foram atingidos.</a:t>
-            </a:r>
-            <a:endParaRPr b="0" lang="en-US" sz="2300" spc="-1" strike="noStrike">
+              <a:t> </a:t>
+            </a:r>
+            <a:endParaRPr b="0" lang="en-US" sz="2000" spc="-1" strike="noStrike">
+              <a:latin typeface="Arial"/>
+            </a:endParaRPr>
+          </a:p>
+          <a:p>
+            <a:pPr>
+              <a:lnSpc>
+                <a:spcPts val="2401"/>
+              </a:lnSpc>
+              <a:spcBef>
+                <a:spcPts val="400"/>
+              </a:spcBef>
+              <a:spcAft>
+                <a:spcPts val="1199"/>
+              </a:spcAft>
+            </a:pPr>
+            <a:endParaRPr b="0" lang="en-US" sz="2000" spc="-1" strike="noStrike">
               <a:latin typeface="Arial"/>
             </a:endParaRPr>
           </a:p>
@@ -4011,7 +4221,7 @@
         <p:spPr>
           <a:xfrm>
             <a:off x="228600" y="461880"/>
-            <a:ext cx="8825760" cy="445680"/>
+            <a:ext cx="8825400" cy="445320"/>
           </a:xfrm>
           <a:prstGeom prst="rect">
             <a:avLst/>
@@ -4091,6 +4301,300 @@
 </p:sld>
 </file>
 
+<file path=ppt/slides/slide12.xml><?xml version="1.0" encoding="utf-8"?>
+<p:sld xmlns:a="http://schemas.openxmlformats.org/drawingml/2006/main" xmlns:p="http://schemas.openxmlformats.org/presentationml/2006/main" xmlns:r="http://schemas.openxmlformats.org/officeDocument/2006/relationships" xmlns:p14="http://schemas.microsoft.com/office/powerpoint/2010/main" xmlns:p15="http://schemas.microsoft.com/office/powerpoint/2012/main" xmlns:mc="http://schemas.openxmlformats.org/markup-compatibility/2006">
+  <p:cSld>
+    <p:spTree>
+      <p:nvGrpSpPr>
+        <p:cNvPr id="1" name=""/>
+        <p:cNvGrpSpPr/>
+        <p:nvPr/>
+      </p:nvGrpSpPr>
+      <p:grpSpPr>
+        <a:xfrm>
+          <a:off x="0" y="0"/>
+          <a:ext cx="0" cy="0"/>
+          <a:chOff x="0" y="0"/>
+          <a:chExt cx="0" cy="0"/>
+        </a:xfrm>
+      </p:grpSpPr>
+      <p:sp>
+        <p:nvSpPr>
+          <p:cNvPr id="122" name="CustomShape 1"/>
+          <p:cNvSpPr/>
+          <p:nvPr/>
+        </p:nvSpPr>
+        <p:spPr>
+          <a:xfrm>
+            <a:off x="0" y="1001880"/>
+            <a:ext cx="9142920" cy="664200"/>
+          </a:xfrm>
+          <a:prstGeom prst="rect">
+            <a:avLst/>
+          </a:prstGeom>
+          <a:gradFill rotWithShape="0">
+            <a:gsLst>
+              <a:gs pos="0">
+                <a:srgbClr val="95b8bb"/>
+              </a:gs>
+              <a:gs pos="100000">
+                <a:srgbClr val="5d8d91"/>
+              </a:gs>
+            </a:gsLst>
+            <a:lin ang="16200000"/>
+          </a:gradFill>
+          <a:ln>
+            <a:noFill/>
+          </a:ln>
+        </p:spPr>
+        <p:style>
+          <a:lnRef idx="2">
+            <a:schemeClr val="accent1">
+              <a:shade val="50000"/>
+            </a:schemeClr>
+          </a:lnRef>
+          <a:fillRef idx="1">
+            <a:schemeClr val="accent1"/>
+          </a:fillRef>
+          <a:effectRef idx="0">
+            <a:schemeClr val="accent1"/>
+          </a:effectRef>
+          <a:fontRef idx="minor"/>
+        </p:style>
+      </p:sp>
+      <p:sp>
+        <p:nvSpPr>
+          <p:cNvPr id="123" name="CustomShape 2"/>
+          <p:cNvSpPr/>
+          <p:nvPr/>
+        </p:nvSpPr>
+        <p:spPr>
+          <a:xfrm>
+            <a:off x="206280" y="1100160"/>
+            <a:ext cx="8735040" cy="470520"/>
+          </a:xfrm>
+          <a:prstGeom prst="rect">
+            <a:avLst/>
+          </a:prstGeom>
+          <a:noFill/>
+          <a:ln>
+            <a:noFill/>
+          </a:ln>
+        </p:spPr>
+        <p:style>
+          <a:lnRef idx="0"/>
+          <a:fillRef idx="0"/>
+          <a:effectRef idx="0"/>
+          <a:fontRef idx="minor"/>
+        </p:style>
+        <p:txBody>
+          <a:bodyPr lIns="90000" rIns="90000" tIns="45000" bIns="45000"/>
+          <a:p>
+            <a:pPr>
+              <a:lnSpc>
+                <a:spcPct val="100000"/>
+              </a:lnSpc>
+            </a:pPr>
+            <a:r>
+              <a:rPr b="1" lang="en-US" sz="2500" spc="-1" strike="noStrike">
+                <a:solidFill>
+                  <a:srgbClr val="000000"/>
+                </a:solidFill>
+                <a:latin typeface="Calibri"/>
+                <a:ea typeface="Calibri"/>
+              </a:rPr>
+              <a:t>Conclusões</a:t>
+            </a:r>
+            <a:endParaRPr b="0" lang="en-US" sz="2500" spc="-1" strike="noStrike">
+              <a:latin typeface="Arial"/>
+            </a:endParaRPr>
+          </a:p>
+        </p:txBody>
+      </p:sp>
+      <p:sp>
+        <p:nvSpPr>
+          <p:cNvPr id="124" name="CustomShape 3"/>
+          <p:cNvSpPr/>
+          <p:nvPr/>
+        </p:nvSpPr>
+        <p:spPr>
+          <a:xfrm>
+            <a:off x="179280" y="1770120"/>
+            <a:ext cx="8826840" cy="4118400"/>
+          </a:xfrm>
+          <a:prstGeom prst="rect">
+            <a:avLst/>
+          </a:prstGeom>
+          <a:noFill/>
+          <a:ln>
+            <a:noFill/>
+          </a:ln>
+        </p:spPr>
+        <p:style>
+          <a:lnRef idx="0"/>
+          <a:fillRef idx="0"/>
+          <a:effectRef idx="0"/>
+          <a:fontRef idx="minor"/>
+        </p:style>
+        <p:txBody>
+          <a:bodyPr lIns="90000" rIns="90000" tIns="45000" bIns="45000"/>
+          <a:p>
+            <a:pPr algn="just">
+              <a:lnSpc>
+                <a:spcPct val="115000"/>
+              </a:lnSpc>
+              <a:spcBef>
+                <a:spcPts val="1534"/>
+              </a:spcBef>
+              <a:spcAft>
+                <a:spcPts val="2333"/>
+              </a:spcAft>
+            </a:pPr>
+            <a:r>
+              <a:rPr b="1" lang="en-US" sz="2300" spc="-1" strike="noStrike">
+                <a:solidFill>
+                  <a:srgbClr val="2905e9"/>
+                </a:solidFill>
+                <a:latin typeface="Calibri"/>
+                <a:ea typeface="DejaVu Sans"/>
+              </a:rPr>
+              <a:t>A arquitetura escolhida</a:t>
+            </a:r>
+            <a:r>
+              <a:rPr b="1" lang="en-US" sz="2300" spc="-1" strike="noStrike">
+                <a:solidFill>
+                  <a:srgbClr val="404040"/>
+                </a:solidFill>
+                <a:latin typeface="Calibri"/>
+                <a:ea typeface="DejaVu Sans"/>
+              </a:rPr>
+              <a:t>, baseada em microserviços, </a:t>
+            </a:r>
+            <a:r>
+              <a:rPr b="1" lang="en-US" sz="2300" spc="-1" strike="noStrike">
+                <a:solidFill>
+                  <a:srgbClr val="2905e9"/>
+                </a:solidFill>
+                <a:latin typeface="Calibri"/>
+                <a:ea typeface="DejaVu Sans"/>
+              </a:rPr>
+              <a:t>mostrou-se plenamente capaz de satisfazer os requisitos não funcionais da aplicação</a:t>
+            </a:r>
+            <a:r>
+              <a:rPr b="1" lang="en-US" sz="2300" spc="-1" strike="noStrike">
+                <a:solidFill>
+                  <a:srgbClr val="404040"/>
+                </a:solidFill>
+                <a:latin typeface="Calibri"/>
+                <a:ea typeface="DejaVu Sans"/>
+              </a:rPr>
+              <a:t>, conforme evidenciado anteriormente. Pôde-se verificar os pontos fortes e os pontos de atenção inerentes a esta arquitetura, bem como as características de várias ferramentas utilizadas na implementação. Em resumo, </a:t>
+            </a:r>
+            <a:r>
+              <a:rPr b="1" lang="en-US" sz="2300" spc="-1" strike="noStrike">
+                <a:solidFill>
+                  <a:srgbClr val="479e0f"/>
+                </a:solidFill>
+                <a:latin typeface="Calibri"/>
+                <a:ea typeface="DejaVu Sans"/>
+              </a:rPr>
+              <a:t>consideramos que os objetivos do projeto foram atingidos.</a:t>
+            </a:r>
+            <a:endParaRPr b="0" lang="en-US" sz="2300" spc="-1" strike="noStrike">
+              <a:latin typeface="Arial"/>
+            </a:endParaRPr>
+          </a:p>
+        </p:txBody>
+      </p:sp>
+      <p:sp>
+        <p:nvSpPr>
+          <p:cNvPr id="125" name="CustomShape 4"/>
+          <p:cNvSpPr/>
+          <p:nvPr/>
+        </p:nvSpPr>
+        <p:spPr>
+          <a:xfrm>
+            <a:off x="228600" y="461880"/>
+            <a:ext cx="8825400" cy="445320"/>
+          </a:xfrm>
+          <a:prstGeom prst="rect">
+            <a:avLst/>
+          </a:prstGeom>
+          <a:noFill/>
+          <a:ln>
+            <a:noFill/>
+          </a:ln>
+        </p:spPr>
+        <p:style>
+          <a:lnRef idx="0"/>
+          <a:fillRef idx="0"/>
+          <a:effectRef idx="0"/>
+          <a:fontRef idx="minor"/>
+        </p:style>
+        <p:txBody>
+          <a:bodyPr lIns="90000" rIns="90000" tIns="45000" bIns="45000"/>
+          <a:p>
+            <a:pPr>
+              <a:lnSpc>
+                <a:spcPts val="2801"/>
+              </a:lnSpc>
+            </a:pPr>
+            <a:r>
+              <a:rPr b="1" lang="en-US" sz="2800" spc="-1" strike="noStrike">
+                <a:solidFill>
+                  <a:srgbClr val="000000"/>
+                </a:solidFill>
+                <a:latin typeface="Calibri"/>
+                <a:ea typeface="Calibri"/>
+              </a:rPr>
+              <a:t>SISTEMA DE GESTÃO DA QUALIDADE</a:t>
+            </a:r>
+            <a:endParaRPr b="0" lang="en-US" sz="2800" spc="-1" strike="noStrike">
+              <a:latin typeface="Arial"/>
+            </a:endParaRPr>
+          </a:p>
+        </p:txBody>
+      </p:sp>
+    </p:spTree>
+  </p:cSld>
+  <mc:AlternateContent>
+    <mc:Choice Requires="p14">
+      <p:transition spd="slow" p14:dur="2000"/>
+    </mc:Choice>
+    <mc:Fallback>
+      <p:transition spd="slow"/>
+    </mc:Fallback>
+  </mc:AlternateContent>
+  <p:timing>
+    <p:tnLst>
+      <p:par>
+        <p:cTn id="23" dur="indefinite" restart="never" nodeType="tmRoot">
+          <p:childTnLst>
+            <p:seq>
+              <p:cTn id="24" dur="indefinite" nodeType="mainSeq"/>
+              <p:prevCondLst>
+                <p:cond delay="0" evt="onPrev">
+                  <p:tgtEl>
+                    <p:sldTgt/>
+                  </p:tgtEl>
+                </p:cond>
+              </p:prevCondLst>
+              <p:nextCondLst>
+                <p:cond delay="0" evt="onNext">
+                  <p:tgtEl>
+                    <p:sldTgt/>
+                  </p:tgtEl>
+                </p:cond>
+              </p:nextCondLst>
+            </p:seq>
+          </p:childTnLst>
+        </p:cTn>
+      </p:par>
+    </p:tnLst>
+  </p:timing>
+</p:sld>
+</file>
+
 <file path=ppt/slides/slide2.xml><?xml version="1.0" encoding="utf-8"?>
 <p:sld xmlns:a="http://schemas.openxmlformats.org/drawingml/2006/main" xmlns:p="http://schemas.openxmlformats.org/presentationml/2006/main" xmlns:r="http://schemas.openxmlformats.org/officeDocument/2006/relationships" xmlns:p14="http://schemas.microsoft.com/office/powerpoint/2010/main" xmlns:p15="http://schemas.microsoft.com/office/powerpoint/2012/main" xmlns:mc="http://schemas.openxmlformats.org/markup-compatibility/2006">
   <p:cSld>
@@ -4117,7 +4621,7 @@
         <p:spPr>
           <a:xfrm>
             <a:off x="0" y="1001880"/>
-            <a:ext cx="9143280" cy="664560"/>
+            <a:ext cx="9142920" cy="664200"/>
           </a:xfrm>
           <a:prstGeom prst="rect">
             <a:avLst/>
@@ -4161,7 +4665,7 @@
         <p:spPr>
           <a:xfrm>
             <a:off x="206280" y="1100160"/>
-            <a:ext cx="8735400" cy="470880"/>
+            <a:ext cx="8735040" cy="470520"/>
           </a:xfrm>
           <a:prstGeom prst="rect">
             <a:avLst/>
@@ -4210,7 +4714,7 @@
         <p:spPr>
           <a:xfrm>
             <a:off x="179280" y="1770120"/>
-            <a:ext cx="8827200" cy="4118760"/>
+            <a:ext cx="8826840" cy="4118400"/>
           </a:xfrm>
           <a:prstGeom prst="rect">
             <a:avLst/>
@@ -4259,7 +4763,7 @@
             </a:endParaRPr>
           </a:p>
           <a:p>
-            <a:pPr marL="216000" indent="-215640">
+            <a:pPr marL="216000" indent="-215280">
               <a:lnSpc>
                 <a:spcPct val="100000"/>
               </a:lnSpc>
@@ -4291,7 +4795,7 @@
             </a:endParaRPr>
           </a:p>
           <a:p>
-            <a:pPr marL="216000" indent="-215640">
+            <a:pPr marL="216000" indent="-215280">
               <a:lnSpc>
                 <a:spcPct val="100000"/>
               </a:lnSpc>
@@ -4333,7 +4837,7 @@
             </a:endParaRPr>
           </a:p>
           <a:p>
-            <a:pPr marL="216000" indent="-215640">
+            <a:pPr marL="216000" indent="-215280">
               <a:lnSpc>
                 <a:spcPct val="100000"/>
               </a:lnSpc>
@@ -4365,7 +4869,7 @@
             </a:endParaRPr>
           </a:p>
           <a:p>
-            <a:pPr marL="216000" indent="-215640">
+            <a:pPr marL="216000" indent="-215280">
               <a:lnSpc>
                 <a:spcPct val="100000"/>
               </a:lnSpc>
@@ -4433,7 +4937,7 @@
         <p:spPr>
           <a:xfrm>
             <a:off x="228600" y="461880"/>
-            <a:ext cx="8825760" cy="445680"/>
+            <a:ext cx="8825400" cy="445320"/>
           </a:xfrm>
           <a:prstGeom prst="rect">
             <a:avLst/>
@@ -4539,7 +5043,7 @@
         <p:spPr>
           <a:xfrm>
             <a:off x="0" y="1001880"/>
-            <a:ext cx="9143280" cy="664560"/>
+            <a:ext cx="9142920" cy="664200"/>
           </a:xfrm>
           <a:prstGeom prst="rect">
             <a:avLst/>
@@ -4583,7 +5087,7 @@
         <p:spPr>
           <a:xfrm>
             <a:off x="206280" y="1100160"/>
-            <a:ext cx="8735400" cy="470880"/>
+            <a:ext cx="8735040" cy="470520"/>
           </a:xfrm>
           <a:prstGeom prst="rect">
             <a:avLst/>
@@ -4632,7 +5136,7 @@
         <p:spPr>
           <a:xfrm>
             <a:off x="179280" y="1770120"/>
-            <a:ext cx="8827200" cy="4118760"/>
+            <a:ext cx="8826840" cy="4118400"/>
           </a:xfrm>
           <a:prstGeom prst="rect">
             <a:avLst/>
@@ -4713,7 +5217,7 @@
         <p:spPr>
           <a:xfrm>
             <a:off x="228600" y="461880"/>
-            <a:ext cx="8825760" cy="445680"/>
+            <a:ext cx="8825400" cy="445320"/>
           </a:xfrm>
           <a:prstGeom prst="rect">
             <a:avLst/>
@@ -4766,7 +5270,7 @@
         <p:spPr>
           <a:xfrm>
             <a:off x="1188720" y="1770120"/>
-            <a:ext cx="6674760" cy="4190760"/>
+            <a:ext cx="6674400" cy="4190400"/>
           </a:xfrm>
           <a:prstGeom prst="rect">
             <a:avLst/>
@@ -4842,7 +5346,7 @@
         <p:spPr>
           <a:xfrm>
             <a:off x="0" y="1001880"/>
-            <a:ext cx="9143280" cy="664560"/>
+            <a:ext cx="9142920" cy="664200"/>
           </a:xfrm>
           <a:prstGeom prst="rect">
             <a:avLst/>
@@ -4886,7 +5390,7 @@
         <p:spPr>
           <a:xfrm>
             <a:off x="206280" y="1100160"/>
-            <a:ext cx="8735400" cy="470880"/>
+            <a:ext cx="8735040" cy="470520"/>
           </a:xfrm>
           <a:prstGeom prst="rect">
             <a:avLst/>
@@ -4935,7 +5439,7 @@
         <p:spPr>
           <a:xfrm>
             <a:off x="179280" y="1770120"/>
-            <a:ext cx="8827200" cy="4118760"/>
+            <a:ext cx="8826840" cy="4118400"/>
           </a:xfrm>
           <a:prstGeom prst="rect">
             <a:avLst/>
@@ -5210,7 +5714,7 @@
         <p:spPr>
           <a:xfrm>
             <a:off x="228600" y="461880"/>
-            <a:ext cx="8825760" cy="445680"/>
+            <a:ext cx="8825400" cy="445320"/>
           </a:xfrm>
           <a:prstGeom prst="rect">
             <a:avLst/>
@@ -5316,7 +5820,7 @@
         <p:spPr>
           <a:xfrm>
             <a:off x="0" y="1001880"/>
-            <a:ext cx="9143280" cy="664560"/>
+            <a:ext cx="9142920" cy="664200"/>
           </a:xfrm>
           <a:prstGeom prst="rect">
             <a:avLst/>
@@ -5360,7 +5864,7 @@
         <p:spPr>
           <a:xfrm>
             <a:off x="206280" y="1100160"/>
-            <a:ext cx="8735400" cy="470880"/>
+            <a:ext cx="8735040" cy="470520"/>
           </a:xfrm>
           <a:prstGeom prst="rect">
             <a:avLst/>
@@ -5409,7 +5913,7 @@
         <p:spPr>
           <a:xfrm>
             <a:off x="3516120" y="1824480"/>
-            <a:ext cx="4072320" cy="4118760"/>
+            <a:ext cx="4071960" cy="4118400"/>
           </a:xfrm>
           <a:prstGeom prst="rect">
             <a:avLst/>
@@ -5672,7 +6176,7 @@
         <p:spPr>
           <a:xfrm>
             <a:off x="228600" y="461880"/>
-            <a:ext cx="8825760" cy="445680"/>
+            <a:ext cx="8825400" cy="445320"/>
           </a:xfrm>
           <a:prstGeom prst="rect">
             <a:avLst/>
@@ -5721,7 +6225,7 @@
         <p:spPr>
           <a:xfrm>
             <a:off x="1151280" y="1866960"/>
-            <a:ext cx="2655000" cy="4118760"/>
+            <a:ext cx="2654640" cy="4118400"/>
           </a:xfrm>
           <a:prstGeom prst="rect">
             <a:avLst/>
@@ -6031,7 +6535,7 @@
         <p:spPr>
           <a:xfrm>
             <a:off x="-10440" y="457200"/>
-            <a:ext cx="9143280" cy="365760"/>
+            <a:ext cx="9142920" cy="365400"/>
           </a:xfrm>
           <a:prstGeom prst="rect">
             <a:avLst/>
@@ -6075,7 +6579,7 @@
         <p:spPr>
           <a:xfrm>
             <a:off x="226800" y="365760"/>
-            <a:ext cx="8735400" cy="470880"/>
+            <a:ext cx="8735040" cy="470520"/>
           </a:xfrm>
           <a:prstGeom prst="rect">
             <a:avLst/>
@@ -6124,7 +6628,7 @@
         <p:spPr>
           <a:xfrm>
             <a:off x="179280" y="1770120"/>
-            <a:ext cx="8827200" cy="4118760"/>
+            <a:ext cx="8826840" cy="4118400"/>
           </a:xfrm>
           <a:prstGeom prst="rect">
             <a:avLst/>
@@ -6150,7 +6654,7 @@
         <p:spPr>
           <a:xfrm>
             <a:off x="226800" y="16200"/>
-            <a:ext cx="8825760" cy="445680"/>
+            <a:ext cx="8825400" cy="445320"/>
           </a:xfrm>
           <a:prstGeom prst="rect">
             <a:avLst/>
@@ -6198,7 +6702,7 @@
         </p:nvGraphicFramePr>
         <p:xfrm>
           <a:off x="151920" y="875520"/>
-          <a:ext cx="8781120" cy="7273440"/>
+          <a:ext cx="8781120" cy="4820760"/>
         </p:xfrm>
         <a:graphic>
           <a:graphicData uri="http://schemas.openxmlformats.org/drawingml/2006/table">
@@ -6208,19 +6712,23 @@
                 <a:gridCol w="4125240"/>
                 <a:gridCol w="4656240"/>
               </a:tblGrid>
-              <a:tr h="8280">
+              <a:tr h="262440">
                 <a:tc>
                   <a:txBody>
-                    <a:bodyPr lIns="90000" rIns="90000" tIns="46800" bIns="46800"/>
+                    <a:bodyPr lIns="90000" rIns="90000"/>
                     <a:p>
-                      <a:pPr algn="ctr"/>
+                      <a:pPr algn="ctr">
+                        <a:lnSpc>
+                          <a:spcPct val="100000"/>
+                        </a:lnSpc>
+                      </a:pPr>
                       <a:r>
-                        <a:rPr b="0" lang="pt-BR" sz="1200" spc="-1" strike="noStrike">
+                        <a:rPr b="0" lang="en-US" sz="1200" spc="-1" strike="noStrike">
                           <a:latin typeface="Arial"/>
                         </a:rPr>
                         <a:t>Mecanismo de análise</a:t>
                       </a:r>
-                      <a:endParaRPr b="0" lang="pt-BR" sz="1200" spc="-1" strike="noStrike">
+                      <a:endParaRPr b="0" lang="en-US" sz="1200" spc="-1" strike="noStrike">
                         <a:latin typeface="Arial"/>
                       </a:endParaRPr>
                     </a:p>
@@ -6253,16 +6761,20 @@
                 </a:tc>
                 <a:tc>
                   <a:txBody>
-                    <a:bodyPr lIns="90000" rIns="90000" tIns="46800" bIns="46800"/>
+                    <a:bodyPr lIns="90000" rIns="90000"/>
                     <a:p>
-                      <a:pPr algn="ctr"/>
+                      <a:pPr algn="ctr">
+                        <a:lnSpc>
+                          <a:spcPct val="100000"/>
+                        </a:lnSpc>
+                      </a:pPr>
                       <a:r>
-                        <a:rPr b="0" lang="pt-BR" sz="1200" spc="-1" strike="noStrike">
+                        <a:rPr b="0" lang="en-US" sz="1200" spc="-1" strike="noStrike">
                           <a:latin typeface="Arial"/>
                         </a:rPr>
                         <a:t>Mecanismo de implementação</a:t>
                       </a:r>
-                      <a:endParaRPr b="0" lang="pt-BR" sz="1200" spc="-1" strike="noStrike">
+                      <a:endParaRPr b="0" lang="en-US" sz="1200" spc="-1" strike="noStrike">
                         <a:latin typeface="Arial"/>
                       </a:endParaRPr>
                     </a:p>
@@ -6294,18 +6806,23 @@
                   </a:tcPr>
                 </a:tc>
               </a:tr>
-              <a:tr h="262800">
+              <a:tr h="262440">
                 <a:tc>
                   <a:txBody>
-                    <a:bodyPr lIns="90000" rIns="90000" tIns="46800" bIns="46800"/>
+                    <a:bodyPr lIns="90000" rIns="90000"/>
                     <a:p>
+                      <a:pPr>
+                        <a:lnSpc>
+                          <a:spcPct val="100000"/>
+                        </a:lnSpc>
+                      </a:pPr>
                       <a:r>
-                        <a:rPr b="0" lang="pt-BR" sz="1200" spc="-1" strike="noStrike">
+                        <a:rPr b="0" lang="en-US" sz="1200" spc="-1" strike="noStrike">
                           <a:latin typeface="Arial"/>
                         </a:rPr>
                         <a:t>Comunicação entre processos</a:t>
                       </a:r>
-                      <a:endParaRPr b="0" lang="pt-BR" sz="1200" spc="-1" strike="noStrike">
+                      <a:endParaRPr b="0" lang="en-US" sz="1200" spc="-1" strike="noStrike">
                         <a:latin typeface="Arial"/>
                       </a:endParaRPr>
                     </a:p>
@@ -6338,15 +6855,20 @@
                 </a:tc>
                 <a:tc>
                   <a:txBody>
-                    <a:bodyPr lIns="90000" rIns="90000" tIns="46800" bIns="46800"/>
+                    <a:bodyPr lIns="90000" rIns="90000"/>
                     <a:p>
+                      <a:pPr>
+                        <a:lnSpc>
+                          <a:spcPct val="100000"/>
+                        </a:lnSpc>
+                      </a:pPr>
                       <a:r>
-                        <a:rPr b="0" lang="pt-BR" sz="1200" spc="-1" strike="noStrike">
+                        <a:rPr b="0" lang="en-US" sz="1200" spc="-1" strike="noStrike">
                           <a:latin typeface="Arial"/>
                         </a:rPr>
                         <a:t>Chamadas HTTP</a:t>
                       </a:r>
-                      <a:endParaRPr b="0" lang="pt-BR" sz="1200" spc="-1" strike="noStrike">
+                      <a:endParaRPr b="0" lang="en-US" sz="1200" spc="-1" strike="noStrike">
                         <a:latin typeface="Arial"/>
                       </a:endParaRPr>
                     </a:p>
@@ -6378,18 +6900,23 @@
                   </a:tcPr>
                 </a:tc>
               </a:tr>
-              <a:tr h="216000">
+              <a:tr h="262440">
                 <a:tc>
                   <a:txBody>
-                    <a:bodyPr lIns="90000" rIns="90000" tIns="46800" bIns="46800"/>
+                    <a:bodyPr lIns="90000" rIns="90000"/>
                     <a:p>
+                      <a:pPr>
+                        <a:lnSpc>
+                          <a:spcPct val="100000"/>
+                        </a:lnSpc>
+                      </a:pPr>
                       <a:r>
-                        <a:rPr b="0" lang="pt-BR" sz="1200" spc="-1" strike="noStrike">
+                        <a:rPr b="0" lang="en-US" sz="1200" spc="-1" strike="noStrike">
                           <a:latin typeface="Arial"/>
                         </a:rPr>
                         <a:t>Integrações com sistemas externos</a:t>
                       </a:r>
-                      <a:endParaRPr b="0" lang="pt-BR" sz="1200" spc="-1" strike="noStrike">
+                      <a:endParaRPr b="0" lang="en-US" sz="1200" spc="-1" strike="noStrike">
                         <a:latin typeface="Arial"/>
                       </a:endParaRPr>
                     </a:p>
@@ -6422,15 +6949,20 @@
                 </a:tc>
                 <a:tc>
                   <a:txBody>
-                    <a:bodyPr lIns="90000" rIns="90000" tIns="46800" bIns="46800"/>
+                    <a:bodyPr lIns="90000" rIns="90000"/>
                     <a:p>
+                      <a:pPr>
+                        <a:lnSpc>
+                          <a:spcPct val="100000"/>
+                        </a:lnSpc>
+                      </a:pPr>
                       <a:r>
-                        <a:rPr b="0" lang="pt-BR" sz="1200" spc="-1" strike="noStrike">
+                        <a:rPr b="0" lang="en-US" sz="1200" spc="-1" strike="noStrike">
                           <a:latin typeface="Arial"/>
                         </a:rPr>
                         <a:t>APIs Restful JSON</a:t>
                       </a:r>
-                      <a:endParaRPr b="0" lang="pt-BR" sz="1200" spc="-1" strike="noStrike">
+                      <a:endParaRPr b="0" lang="en-US" sz="1200" spc="-1" strike="noStrike">
                         <a:latin typeface="Arial"/>
                       </a:endParaRPr>
                     </a:p>
@@ -6462,18 +6994,23 @@
                   </a:tcPr>
                 </a:tc>
               </a:tr>
-              <a:tr h="318240">
+              <a:tr h="262440">
                 <a:tc>
                   <a:txBody>
-                    <a:bodyPr lIns="90000" rIns="90000" tIns="46800" bIns="46800"/>
+                    <a:bodyPr lIns="90000" rIns="90000"/>
                     <a:p>
+                      <a:pPr>
+                        <a:lnSpc>
+                          <a:spcPct val="100000"/>
+                        </a:lnSpc>
+                      </a:pPr>
                       <a:r>
-                        <a:rPr b="0" lang="pt-BR" sz="1200" spc="-1" strike="noStrike">
+                        <a:rPr b="0" lang="en-US" sz="1200" spc="-1" strike="noStrike">
                           <a:latin typeface="Arial"/>
                         </a:rPr>
                         <a:t>Log</a:t>
                       </a:r>
-                      <a:endParaRPr b="0" lang="pt-BR" sz="1200" spc="-1" strike="noStrike">
+                      <a:endParaRPr b="0" lang="en-US" sz="1200" spc="-1" strike="noStrike">
                         <a:latin typeface="Arial"/>
                       </a:endParaRPr>
                     </a:p>
@@ -6506,15 +7043,20 @@
                 </a:tc>
                 <a:tc>
                   <a:txBody>
-                    <a:bodyPr lIns="90000" rIns="90000" tIns="46800" bIns="46800"/>
+                    <a:bodyPr lIns="90000" rIns="90000"/>
                     <a:p>
+                      <a:pPr>
+                        <a:lnSpc>
+                          <a:spcPct val="100000"/>
+                        </a:lnSpc>
+                      </a:pPr>
                       <a:r>
-                        <a:rPr b="0" lang="pt-BR" sz="1200" spc="-1" strike="noStrike">
+                        <a:rPr b="0" lang="en-US" sz="1200" spc="-1" strike="noStrike">
                           <a:latin typeface="Arial"/>
                         </a:rPr>
                         <a:t>Logstash</a:t>
                       </a:r>
-                      <a:endParaRPr b="0" lang="pt-BR" sz="1200" spc="-1" strike="noStrike">
+                      <a:endParaRPr b="0" lang="en-US" sz="1200" spc="-1" strike="noStrike">
                         <a:latin typeface="Arial"/>
                       </a:endParaRPr>
                     </a:p>
@@ -6546,18 +7088,23 @@
                   </a:tcPr>
                 </a:tc>
               </a:tr>
-              <a:tr h="284400">
+              <a:tr h="262440">
                 <a:tc>
                   <a:txBody>
-                    <a:bodyPr lIns="90000" rIns="90000" tIns="46800" bIns="46800"/>
+                    <a:bodyPr lIns="90000" rIns="90000"/>
                     <a:p>
+                      <a:pPr>
+                        <a:lnSpc>
+                          <a:spcPct val="100000"/>
+                        </a:lnSpc>
+                      </a:pPr>
                       <a:r>
-                        <a:rPr b="0" lang="pt-BR" sz="1200" spc="-1" strike="noStrike">
+                        <a:rPr b="0" lang="en-US" sz="1200" spc="-1" strike="noStrike">
                           <a:latin typeface="Arial"/>
                         </a:rPr>
                         <a:t>Monitoramento</a:t>
                       </a:r>
-                      <a:endParaRPr b="0" lang="pt-BR" sz="1200" spc="-1" strike="noStrike">
+                      <a:endParaRPr b="0" lang="en-US" sz="1200" spc="-1" strike="noStrike">
                         <a:latin typeface="Arial"/>
                       </a:endParaRPr>
                     </a:p>
@@ -6590,15 +7137,20 @@
                 </a:tc>
                 <a:tc>
                   <a:txBody>
-                    <a:bodyPr lIns="90000" rIns="90000" tIns="46800" bIns="46800"/>
+                    <a:bodyPr lIns="90000" rIns="90000"/>
                     <a:p>
+                      <a:pPr>
+                        <a:lnSpc>
+                          <a:spcPct val="100000"/>
+                        </a:lnSpc>
+                      </a:pPr>
                       <a:r>
-                        <a:rPr b="0" lang="pt-BR" sz="1200" spc="-1" strike="noStrike">
+                        <a:rPr b="0" lang="en-US" sz="1200" spc="-1" strike="noStrike">
                           <a:latin typeface="Arial"/>
                         </a:rPr>
                         <a:t>Elasticsearch + Kibana</a:t>
                       </a:r>
-                      <a:endParaRPr b="0" lang="pt-BR" sz="1200" spc="-1" strike="noStrike">
+                      <a:endParaRPr b="0" lang="en-US" sz="1200" spc="-1" strike="noStrike">
                         <a:latin typeface="Arial"/>
                       </a:endParaRPr>
                     </a:p>
@@ -6630,18 +7182,23 @@
                   </a:tcPr>
                 </a:tc>
               </a:tr>
-              <a:tr h="289440">
+              <a:tr h="262440">
                 <a:tc>
                   <a:txBody>
-                    <a:bodyPr lIns="90000" rIns="90000" tIns="46800" bIns="46800"/>
+                    <a:bodyPr lIns="90000" rIns="90000"/>
                     <a:p>
+                      <a:pPr>
+                        <a:lnSpc>
+                          <a:spcPct val="100000"/>
+                        </a:lnSpc>
+                      </a:pPr>
                       <a:r>
-                        <a:rPr b="0" lang="pt-BR" sz="1200" spc="-1" strike="noStrike">
+                        <a:rPr b="0" lang="en-US" sz="1200" spc="-1" strike="noStrike">
                           <a:latin typeface="Arial"/>
                         </a:rPr>
                         <a:t>Configuração</a:t>
                       </a:r>
-                      <a:endParaRPr b="0" lang="pt-BR" sz="1200" spc="-1" strike="noStrike">
+                      <a:endParaRPr b="0" lang="en-US" sz="1200" spc="-1" strike="noStrike">
                         <a:latin typeface="Arial"/>
                       </a:endParaRPr>
                     </a:p>
@@ -6674,15 +7231,20 @@
                 </a:tc>
                 <a:tc>
                   <a:txBody>
-                    <a:bodyPr lIns="90000" rIns="90000" tIns="46800" bIns="46800"/>
+                    <a:bodyPr lIns="90000" rIns="90000"/>
                     <a:p>
+                      <a:pPr>
+                        <a:lnSpc>
+                          <a:spcPct val="100000"/>
+                        </a:lnSpc>
+                      </a:pPr>
                       <a:r>
-                        <a:rPr b="0" lang="pt-BR" sz="1200" spc="-1" strike="noStrike">
+                        <a:rPr b="0" lang="en-US" sz="1200" spc="-1" strike="noStrike">
                           <a:latin typeface="Arial"/>
                         </a:rPr>
                         <a:t>Spring Cloud Config</a:t>
                       </a:r>
-                      <a:endParaRPr b="0" lang="pt-BR" sz="1200" spc="-1" strike="noStrike">
+                      <a:endParaRPr b="0" lang="en-US" sz="1200" spc="-1" strike="noStrike">
                         <a:latin typeface="Arial"/>
                       </a:endParaRPr>
                     </a:p>
@@ -6714,18 +7276,23 @@
                   </a:tcPr>
                 </a:tc>
               </a:tr>
-              <a:tr h="264960">
+              <a:tr h="262440">
                 <a:tc>
                   <a:txBody>
-                    <a:bodyPr lIns="90000" rIns="90000" tIns="46800" bIns="46800"/>
+                    <a:bodyPr lIns="90000" rIns="90000"/>
                     <a:p>
+                      <a:pPr>
+                        <a:lnSpc>
+                          <a:spcPct val="100000"/>
+                        </a:lnSpc>
+                      </a:pPr>
                       <a:r>
-                        <a:rPr b="0" lang="pt-BR" sz="1200" spc="-1" strike="noStrike">
+                        <a:rPr b="0" lang="en-US" sz="1200" spc="-1" strike="noStrike">
                           <a:latin typeface="Arial"/>
                         </a:rPr>
                         <a:t>Cache</a:t>
                       </a:r>
-                      <a:endParaRPr b="0" lang="pt-BR" sz="1200" spc="-1" strike="noStrike">
+                      <a:endParaRPr b="0" lang="en-US" sz="1200" spc="-1" strike="noStrike">
                         <a:latin typeface="Arial"/>
                       </a:endParaRPr>
                     </a:p>
@@ -6758,15 +7325,20 @@
                 </a:tc>
                 <a:tc>
                   <a:txBody>
-                    <a:bodyPr lIns="90000" rIns="90000" tIns="46800" bIns="46800"/>
+                    <a:bodyPr lIns="90000" rIns="90000"/>
                     <a:p>
+                      <a:pPr>
+                        <a:lnSpc>
+                          <a:spcPct val="100000"/>
+                        </a:lnSpc>
+                      </a:pPr>
                       <a:r>
-                        <a:rPr b="0" lang="pt-BR" sz="1200" spc="-1" strike="noStrike">
+                        <a:rPr b="0" lang="en-US" sz="1200" spc="-1" strike="noStrike">
                           <a:latin typeface="Arial"/>
                         </a:rPr>
                         <a:t>Hazelcast</a:t>
                       </a:r>
-                      <a:endParaRPr b="0" lang="pt-BR" sz="1200" spc="-1" strike="noStrike">
+                      <a:endParaRPr b="0" lang="en-US" sz="1200" spc="-1" strike="noStrike">
                         <a:latin typeface="Arial"/>
                       </a:endParaRPr>
                     </a:p>
@@ -6798,18 +7370,23 @@
                   </a:tcPr>
                 </a:tc>
               </a:tr>
-              <a:tr h="283320">
+              <a:tr h="262440">
                 <a:tc>
                   <a:txBody>
-                    <a:bodyPr lIns="90000" rIns="90000" tIns="46800" bIns="46800"/>
+                    <a:bodyPr lIns="90000" rIns="90000"/>
                     <a:p>
+                      <a:pPr>
+                        <a:lnSpc>
+                          <a:spcPct val="100000"/>
+                        </a:lnSpc>
+                      </a:pPr>
                       <a:r>
-                        <a:rPr b="0" lang="pt-BR" sz="1200" spc="-1" strike="noStrike">
+                        <a:rPr b="0" lang="en-US" sz="1200" spc="-1" strike="noStrike">
                           <a:latin typeface="Arial"/>
                         </a:rPr>
                         <a:t>Build</a:t>
                       </a:r>
-                      <a:endParaRPr b="0" lang="pt-BR" sz="1200" spc="-1" strike="noStrike">
+                      <a:endParaRPr b="0" lang="en-US" sz="1200" spc="-1" strike="noStrike">
                         <a:latin typeface="Arial"/>
                       </a:endParaRPr>
                     </a:p>
@@ -6842,15 +7419,20 @@
                 </a:tc>
                 <a:tc>
                   <a:txBody>
-                    <a:bodyPr lIns="90000" rIns="90000" tIns="46800" bIns="46800"/>
+                    <a:bodyPr lIns="90000" rIns="90000"/>
                     <a:p>
+                      <a:pPr>
+                        <a:lnSpc>
+                          <a:spcPct val="100000"/>
+                        </a:lnSpc>
+                      </a:pPr>
                       <a:r>
-                        <a:rPr b="0" lang="pt-BR" sz="1200" spc="-1" strike="noStrike">
+                        <a:rPr b="0" lang="en-US" sz="1200" spc="-1" strike="noStrike">
                           <a:latin typeface="Arial"/>
                         </a:rPr>
                         <a:t>Maven, npm, Google jib</a:t>
                       </a:r>
-                      <a:endParaRPr b="0" lang="pt-BR" sz="1200" spc="-1" strike="noStrike">
+                      <a:endParaRPr b="0" lang="en-US" sz="1200" spc="-1" strike="noStrike">
                         <a:latin typeface="Arial"/>
                       </a:endParaRPr>
                     </a:p>
@@ -6882,18 +7464,23 @@
                   </a:tcPr>
                 </a:tc>
               </a:tr>
-              <a:tr h="289800">
+              <a:tr h="262440">
                 <a:tc>
                   <a:txBody>
-                    <a:bodyPr lIns="90000" rIns="90000" tIns="46800" bIns="46800"/>
+                    <a:bodyPr lIns="90000" rIns="90000"/>
                     <a:p>
+                      <a:pPr>
+                        <a:lnSpc>
+                          <a:spcPct val="100000"/>
+                        </a:lnSpc>
+                      </a:pPr>
                       <a:r>
-                        <a:rPr b="0" lang="pt-BR" sz="1200" spc="-1" strike="noStrike">
+                        <a:rPr b="0" lang="en-US" sz="1200" spc="-1" strike="noStrike">
                           <a:latin typeface="Arial"/>
                         </a:rPr>
                         <a:t>Deploy</a:t>
                       </a:r>
-                      <a:endParaRPr b="0" lang="pt-BR" sz="1200" spc="-1" strike="noStrike">
+                      <a:endParaRPr b="0" lang="en-US" sz="1200" spc="-1" strike="noStrike">
                         <a:latin typeface="Arial"/>
                       </a:endParaRPr>
                     </a:p>
@@ -6926,15 +7513,20 @@
                 </a:tc>
                 <a:tc>
                   <a:txBody>
-                    <a:bodyPr lIns="90000" rIns="90000" tIns="46800" bIns="46800"/>
+                    <a:bodyPr lIns="90000" rIns="90000"/>
                     <a:p>
+                      <a:pPr>
+                        <a:lnSpc>
+                          <a:spcPct val="100000"/>
+                        </a:lnSpc>
+                      </a:pPr>
                       <a:r>
-                        <a:rPr b="0" lang="pt-BR" sz="1200" spc="-1" strike="noStrike">
+                        <a:rPr b="0" lang="en-US" sz="1200" spc="-1" strike="noStrike">
                           <a:latin typeface="Arial"/>
                         </a:rPr>
                         <a:t>Docker compose</a:t>
                       </a:r>
-                      <a:endParaRPr b="0" lang="pt-BR" sz="1200" spc="-1" strike="noStrike">
+                      <a:endParaRPr b="0" lang="en-US" sz="1200" spc="-1" strike="noStrike">
                         <a:latin typeface="Arial"/>
                       </a:endParaRPr>
                     </a:p>
@@ -6966,18 +7558,23 @@
                   </a:tcPr>
                 </a:tc>
               </a:tr>
-              <a:tr h="281880">
+              <a:tr h="262440">
                 <a:tc>
                   <a:txBody>
-                    <a:bodyPr lIns="90000" rIns="90000" tIns="46800" bIns="46800"/>
+                    <a:bodyPr lIns="90000" rIns="90000"/>
                     <a:p>
+                      <a:pPr>
+                        <a:lnSpc>
+                          <a:spcPct val="100000"/>
+                        </a:lnSpc>
+                      </a:pPr>
                       <a:r>
-                        <a:rPr b="0" lang="pt-BR" sz="1200" spc="-1" strike="noStrike">
+                        <a:rPr b="0" lang="en-US" sz="1200" spc="-1" strike="noStrike">
                           <a:latin typeface="Arial"/>
                         </a:rPr>
                         <a:t>Front end</a:t>
                       </a:r>
-                      <a:endParaRPr b="0" lang="pt-BR" sz="1200" spc="-1" strike="noStrike">
+                      <a:endParaRPr b="0" lang="en-US" sz="1200" spc="-1" strike="noStrike">
                         <a:latin typeface="Arial"/>
                       </a:endParaRPr>
                     </a:p>
@@ -7010,15 +7607,20 @@
                 </a:tc>
                 <a:tc>
                   <a:txBody>
-                    <a:bodyPr lIns="90000" rIns="90000" tIns="46800" bIns="46800"/>
+                    <a:bodyPr lIns="90000" rIns="90000"/>
                     <a:p>
+                      <a:pPr>
+                        <a:lnSpc>
+                          <a:spcPct val="100000"/>
+                        </a:lnSpc>
+                      </a:pPr>
                       <a:r>
-                        <a:rPr b="0" lang="pt-BR" sz="1200" spc="-1" strike="noStrike">
+                        <a:rPr b="0" lang="en-US" sz="1200" spc="-1" strike="noStrike">
                           <a:latin typeface="Arial"/>
                         </a:rPr>
                         <a:t>Angular Typescript</a:t>
                       </a:r>
-                      <a:endParaRPr b="0" lang="pt-BR" sz="1200" spc="-1" strike="noStrike">
+                      <a:endParaRPr b="0" lang="en-US" sz="1200" spc="-1" strike="noStrike">
                         <a:latin typeface="Arial"/>
                       </a:endParaRPr>
                     </a:p>
@@ -7050,18 +7652,23 @@
                   </a:tcPr>
                 </a:tc>
               </a:tr>
-              <a:tr h="289440">
+              <a:tr h="262440">
                 <a:tc>
                   <a:txBody>
-                    <a:bodyPr lIns="90000" rIns="90000" tIns="46800" bIns="46800"/>
+                    <a:bodyPr lIns="90000" rIns="90000"/>
                     <a:p>
+                      <a:pPr>
+                        <a:lnSpc>
+                          <a:spcPct val="100000"/>
+                        </a:lnSpc>
+                      </a:pPr>
                       <a:r>
-                        <a:rPr b="0" lang="pt-BR" sz="1200" spc="-1" strike="noStrike">
+                        <a:rPr b="0" lang="en-US" sz="1200" spc="-1" strike="noStrike">
                           <a:latin typeface="Arial"/>
                         </a:rPr>
                         <a:t>Versionamento</a:t>
                       </a:r>
-                      <a:endParaRPr b="0" lang="pt-BR" sz="1200" spc="-1" strike="noStrike">
+                      <a:endParaRPr b="0" lang="en-US" sz="1200" spc="-1" strike="noStrike">
                         <a:latin typeface="Arial"/>
                       </a:endParaRPr>
                     </a:p>
@@ -7094,15 +7701,20 @@
                 </a:tc>
                 <a:tc>
                   <a:txBody>
-                    <a:bodyPr lIns="90000" rIns="90000" tIns="46800" bIns="46800"/>
+                    <a:bodyPr lIns="90000" rIns="90000"/>
                     <a:p>
+                      <a:pPr>
+                        <a:lnSpc>
+                          <a:spcPct val="100000"/>
+                        </a:lnSpc>
+                      </a:pPr>
                       <a:r>
-                        <a:rPr b="0" lang="pt-BR" sz="1200" spc="-1" strike="noStrike">
+                        <a:rPr b="0" lang="en-US" sz="1200" spc="-1" strike="noStrike">
                           <a:latin typeface="Arial"/>
                         </a:rPr>
                         <a:t>Git</a:t>
                       </a:r>
-                      <a:endParaRPr b="0" lang="pt-BR" sz="1200" spc="-1" strike="noStrike">
+                      <a:endParaRPr b="0" lang="en-US" sz="1200" spc="-1" strike="noStrike">
                         <a:latin typeface="Arial"/>
                       </a:endParaRPr>
                     </a:p>
@@ -7134,18 +7746,23 @@
                   </a:tcPr>
                 </a:tc>
               </a:tr>
-              <a:tr h="371520">
+              <a:tr h="262440">
                 <a:tc>
                   <a:txBody>
-                    <a:bodyPr lIns="90000" rIns="90000" tIns="46800" bIns="46800"/>
+                    <a:bodyPr lIns="90000" rIns="90000"/>
                     <a:p>
+                      <a:pPr>
+                        <a:lnSpc>
+                          <a:spcPct val="100000"/>
+                        </a:lnSpc>
+                      </a:pPr>
                       <a:r>
-                        <a:rPr b="0" lang="pt-BR" sz="1200" spc="-1" strike="noStrike">
+                        <a:rPr b="0" lang="en-US" sz="1200" spc="-1" strike="noStrike">
                           <a:latin typeface="Arial"/>
                         </a:rPr>
                         <a:t>Autenticação e autorização</a:t>
                       </a:r>
-                      <a:endParaRPr b="0" lang="pt-BR" sz="1200" spc="-1" strike="noStrike">
+                      <a:endParaRPr b="0" lang="en-US" sz="1200" spc="-1" strike="noStrike">
                         <a:latin typeface="Arial"/>
                       </a:endParaRPr>
                     </a:p>
@@ -7178,15 +7795,20 @@
                 </a:tc>
                 <a:tc>
                   <a:txBody>
-                    <a:bodyPr lIns="90000" rIns="90000" tIns="46800" bIns="46800"/>
+                    <a:bodyPr lIns="90000" rIns="90000"/>
                     <a:p>
+                      <a:pPr>
+                        <a:lnSpc>
+                          <a:spcPct val="100000"/>
+                        </a:lnSpc>
+                      </a:pPr>
                       <a:r>
-                        <a:rPr b="0" lang="pt-BR" sz="1200" spc="-1" strike="noStrike">
+                        <a:rPr b="0" lang="en-US" sz="1200" spc="-1" strike="noStrike">
                           <a:latin typeface="Arial"/>
                         </a:rPr>
                         <a:t>Tokens JWT</a:t>
                       </a:r>
-                      <a:endParaRPr b="0" lang="pt-BR" sz="1200" spc="-1" strike="noStrike">
+                      <a:endParaRPr b="0" lang="en-US" sz="1200" spc="-1" strike="noStrike">
                         <a:latin typeface="Arial"/>
                       </a:endParaRPr>
                     </a:p>
@@ -7218,18 +7840,23 @@
                   </a:tcPr>
                 </a:tc>
               </a:tr>
-              <a:tr h="280800">
+              <a:tr h="262440">
                 <a:tc>
                   <a:txBody>
-                    <a:bodyPr lIns="90000" rIns="90000" tIns="46800" bIns="46800"/>
+                    <a:bodyPr lIns="90000" rIns="90000"/>
                     <a:p>
+                      <a:pPr>
+                        <a:lnSpc>
+                          <a:spcPct val="100000"/>
+                        </a:lnSpc>
+                      </a:pPr>
                       <a:r>
-                        <a:rPr b="0" lang="pt-BR" sz="1200" spc="-1" strike="noStrike">
+                        <a:rPr b="0" lang="en-US" sz="1200" spc="-1" strike="noStrike">
                           <a:latin typeface="Arial"/>
                         </a:rPr>
                         <a:t>Alta disponibilidade</a:t>
                       </a:r>
-                      <a:endParaRPr b="0" lang="pt-BR" sz="1200" spc="-1" strike="noStrike">
+                      <a:endParaRPr b="0" lang="en-US" sz="1200" spc="-1" strike="noStrike">
                         <a:latin typeface="Arial"/>
                       </a:endParaRPr>
                     </a:p>
@@ -7262,15 +7889,20 @@
                 </a:tc>
                 <a:tc>
                   <a:txBody>
-                    <a:bodyPr lIns="90000" rIns="90000" tIns="46800" bIns="46800"/>
+                    <a:bodyPr lIns="90000" rIns="90000"/>
                     <a:p>
+                      <a:pPr>
+                        <a:lnSpc>
+                          <a:spcPct val="100000"/>
+                        </a:lnSpc>
+                      </a:pPr>
                       <a:r>
-                        <a:rPr b="0" lang="pt-BR" sz="1200" spc="-1" strike="noStrike">
+                        <a:rPr b="0" lang="en-US" sz="1200" spc="-1" strike="noStrike">
                           <a:latin typeface="Arial"/>
                         </a:rPr>
                         <a:t>Netflix Ribbon (gateway)</a:t>
                       </a:r>
-                      <a:endParaRPr b="0" lang="pt-BR" sz="1200" spc="-1" strike="noStrike">
+                      <a:endParaRPr b="0" lang="en-US" sz="1200" spc="-1" strike="noStrike">
                         <a:latin typeface="Arial"/>
                       </a:endParaRPr>
                     </a:p>
@@ -7302,18 +7934,23 @@
                   </a:tcPr>
                 </a:tc>
               </a:tr>
-              <a:tr h="324720">
+              <a:tr h="262440">
                 <a:tc>
                   <a:txBody>
-                    <a:bodyPr lIns="90000" rIns="90000" tIns="46800" bIns="46800"/>
+                    <a:bodyPr lIns="90000" rIns="90000"/>
                     <a:p>
+                      <a:pPr>
+                        <a:lnSpc>
+                          <a:spcPct val="100000"/>
+                        </a:lnSpc>
+                      </a:pPr>
                       <a:r>
-                        <a:rPr b="0" lang="pt-BR" sz="1200" spc="-1" strike="noStrike">
+                        <a:rPr b="0" lang="en-US" sz="1200" spc="-1" strike="noStrike">
                           <a:latin typeface="Arial"/>
                         </a:rPr>
                         <a:t>Alta disponibilidade</a:t>
                       </a:r>
-                      <a:endParaRPr b="0" lang="pt-BR" sz="1200" spc="-1" strike="noStrike">
+                      <a:endParaRPr b="0" lang="en-US" sz="1200" spc="-1" strike="noStrike">
                         <a:latin typeface="Arial"/>
                       </a:endParaRPr>
                     </a:p>
@@ -7346,15 +7983,20 @@
                 </a:tc>
                 <a:tc>
                   <a:txBody>
-                    <a:bodyPr lIns="90000" rIns="90000" tIns="46800" bIns="46800"/>
+                    <a:bodyPr lIns="90000" rIns="90000"/>
                     <a:p>
+                      <a:pPr>
+                        <a:lnSpc>
+                          <a:spcPct val="100000"/>
+                        </a:lnSpc>
+                      </a:pPr>
                       <a:r>
-                        <a:rPr b="0" lang="pt-BR" sz="1200" spc="-1" strike="noStrike">
+                        <a:rPr b="0" lang="en-US" sz="1200" spc="-1" strike="noStrike">
                           <a:latin typeface="Arial"/>
                         </a:rPr>
                         <a:t>Docker Swarm</a:t>
                       </a:r>
-                      <a:endParaRPr b="0" lang="pt-BR" sz="1200" spc="-1" strike="noStrike">
+                      <a:endParaRPr b="0" lang="en-US" sz="1200" spc="-1" strike="noStrike">
                         <a:latin typeface="Arial"/>
                       </a:endParaRPr>
                     </a:p>
@@ -7386,18 +8028,23 @@
                   </a:tcPr>
                 </a:tc>
               </a:tr>
-              <a:tr h="280800">
+              <a:tr h="262440">
                 <a:tc>
                   <a:txBody>
-                    <a:bodyPr lIns="90000" rIns="90000" tIns="46800" bIns="46800"/>
+                    <a:bodyPr lIns="90000" rIns="90000"/>
                     <a:p>
+                      <a:pPr>
+                        <a:lnSpc>
+                          <a:spcPct val="100000"/>
+                        </a:lnSpc>
+                      </a:pPr>
                       <a:r>
-                        <a:rPr b="0" lang="pt-BR" sz="1200" spc="-1" strike="noStrike">
+                        <a:rPr b="0" lang="en-US" sz="1200" spc="-1" strike="noStrike">
                           <a:latin typeface="Arial"/>
                         </a:rPr>
                         <a:t>Descoberta de serviços</a:t>
                       </a:r>
-                      <a:endParaRPr b="0" lang="pt-BR" sz="1200" spc="-1" strike="noStrike">
+                      <a:endParaRPr b="0" lang="en-US" sz="1200" spc="-1" strike="noStrike">
                         <a:latin typeface="Arial"/>
                       </a:endParaRPr>
                     </a:p>
@@ -7430,15 +8077,20 @@
                 </a:tc>
                 <a:tc>
                   <a:txBody>
-                    <a:bodyPr lIns="90000" rIns="90000" tIns="46800" bIns="46800"/>
+                    <a:bodyPr lIns="90000" rIns="90000"/>
                     <a:p>
+                      <a:pPr>
+                        <a:lnSpc>
+                          <a:spcPct val="100000"/>
+                        </a:lnSpc>
+                      </a:pPr>
                       <a:r>
-                        <a:rPr b="0" lang="pt-BR" sz="1200" spc="-1" strike="noStrike">
+                        <a:rPr b="0" lang="en-US" sz="1200" spc="-1" strike="noStrike">
                           <a:latin typeface="Arial"/>
                         </a:rPr>
                         <a:t>Netflix Eureka</a:t>
                       </a:r>
-                      <a:endParaRPr b="0" lang="pt-BR" sz="1200" spc="-1" strike="noStrike">
+                      <a:endParaRPr b="0" lang="en-US" sz="1200" spc="-1" strike="noStrike">
                         <a:latin typeface="Arial"/>
                       </a:endParaRPr>
                     </a:p>
@@ -7470,18 +8122,23 @@
                   </a:tcPr>
                 </a:tc>
               </a:tr>
-              <a:tr h="272880">
+              <a:tr h="262440">
                 <a:tc>
                   <a:txBody>
-                    <a:bodyPr lIns="90000" rIns="90000" tIns="46800" bIns="46800"/>
+                    <a:bodyPr lIns="90000" rIns="90000"/>
                     <a:p>
+                      <a:pPr>
+                        <a:lnSpc>
+                          <a:spcPct val="100000"/>
+                        </a:lnSpc>
+                      </a:pPr>
                       <a:r>
-                        <a:rPr b="0" lang="pt-BR" sz="1200" spc="-1" strike="noStrike">
+                        <a:rPr b="0" lang="en-US" sz="1200" spc="-1" strike="noStrike">
                           <a:latin typeface="Arial"/>
                         </a:rPr>
                         <a:t>Documentação</a:t>
                       </a:r>
-                      <a:endParaRPr b="0" lang="pt-BR" sz="1200" spc="-1" strike="noStrike">
+                      <a:endParaRPr b="0" lang="en-US" sz="1200" spc="-1" strike="noStrike">
                         <a:latin typeface="Arial"/>
                       </a:endParaRPr>
                     </a:p>
@@ -7514,15 +8171,20 @@
                 </a:tc>
                 <a:tc>
                   <a:txBody>
-                    <a:bodyPr lIns="90000" rIns="90000" tIns="46800" bIns="46800"/>
+                    <a:bodyPr lIns="90000" rIns="90000"/>
                     <a:p>
+                      <a:pPr>
+                        <a:lnSpc>
+                          <a:spcPct val="100000"/>
+                        </a:lnSpc>
+                      </a:pPr>
                       <a:r>
-                        <a:rPr b="0" lang="pt-BR" sz="1200" spc="-1" strike="noStrike">
+                        <a:rPr b="0" lang="en-US" sz="1200" spc="-1" strike="noStrike">
                           <a:latin typeface="Arial"/>
                         </a:rPr>
                         <a:t>Swagger (OpenAPI)</a:t>
                       </a:r>
-                      <a:endParaRPr b="0" lang="pt-BR" sz="1200" spc="-1" strike="noStrike">
+                      <a:endParaRPr b="0" lang="en-US" sz="1200" spc="-1" strike="noStrike">
                         <a:latin typeface="Arial"/>
                       </a:endParaRPr>
                     </a:p>
@@ -7554,18 +8216,23 @@
                   </a:tcPr>
                 </a:tc>
               </a:tr>
-              <a:tr h="285840">
+              <a:tr h="262440">
                 <a:tc>
                   <a:txBody>
-                    <a:bodyPr lIns="90000" rIns="90000" tIns="46800" bIns="46800"/>
+                    <a:bodyPr lIns="90000" rIns="90000"/>
                     <a:p>
+                      <a:pPr>
+                        <a:lnSpc>
+                          <a:spcPct val="100000"/>
+                        </a:lnSpc>
+                      </a:pPr>
                       <a:r>
-                        <a:rPr b="0" lang="pt-BR" sz="1200" spc="-1" strike="noStrike">
+                        <a:rPr b="0" lang="en-US" sz="1200" spc="-1" strike="noStrike">
                           <a:latin typeface="Arial"/>
                         </a:rPr>
                         <a:t>Controle de esquemas de banco</a:t>
                       </a:r>
-                      <a:endParaRPr b="0" lang="pt-BR" sz="1200" spc="-1" strike="noStrike">
+                      <a:endParaRPr b="0" lang="en-US" sz="1200" spc="-1" strike="noStrike">
                         <a:latin typeface="Arial"/>
                       </a:endParaRPr>
                     </a:p>
@@ -7598,15 +8265,20 @@
                 </a:tc>
                 <a:tc>
                   <a:txBody>
-                    <a:bodyPr lIns="90000" rIns="90000" tIns="46800" bIns="46800"/>
+                    <a:bodyPr lIns="90000" rIns="90000"/>
                     <a:p>
+                      <a:pPr>
+                        <a:lnSpc>
+                          <a:spcPct val="100000"/>
+                        </a:lnSpc>
+                      </a:pPr>
                       <a:r>
-                        <a:rPr b="0" lang="pt-BR" sz="1200" spc="-1" strike="noStrike">
+                        <a:rPr b="0" lang="en-US" sz="1200" spc="-1" strike="noStrike">
                           <a:latin typeface="Arial"/>
                         </a:rPr>
                         <a:t>Liquibase</a:t>
                       </a:r>
-                      <a:endParaRPr b="0" lang="pt-BR" sz="1200" spc="-1" strike="noStrike">
+                      <a:endParaRPr b="0" lang="en-US" sz="1200" spc="-1" strike="noStrike">
                         <a:latin typeface="Arial"/>
                       </a:endParaRPr>
                     </a:p>
@@ -7638,18 +8310,23 @@
                   </a:tcPr>
                 </a:tc>
               </a:tr>
-              <a:tr h="216000">
+              <a:tr h="262440">
                 <a:tc>
                   <a:txBody>
-                    <a:bodyPr lIns="90000" rIns="90000" tIns="46800" bIns="46800"/>
+                    <a:bodyPr lIns="90000" rIns="90000"/>
                     <a:p>
+                      <a:pPr>
+                        <a:lnSpc>
+                          <a:spcPct val="100000"/>
+                        </a:lnSpc>
+                      </a:pPr>
                       <a:r>
-                        <a:rPr b="0" lang="pt-BR" sz="1200" spc="-1" strike="noStrike">
+                        <a:rPr b="0" lang="en-US" sz="1200" spc="-1" strike="noStrike">
                           <a:latin typeface="Arial"/>
                         </a:rPr>
                         <a:t>Sistema operacional</a:t>
                       </a:r>
-                      <a:endParaRPr b="0" lang="pt-BR" sz="1200" spc="-1" strike="noStrike">
+                      <a:endParaRPr b="0" lang="en-US" sz="1200" spc="-1" strike="noStrike">
                         <a:latin typeface="Arial"/>
                       </a:endParaRPr>
                     </a:p>
@@ -7682,15 +8359,20 @@
                 </a:tc>
                 <a:tc>
                   <a:txBody>
-                    <a:bodyPr lIns="90000" rIns="90000" tIns="46800" bIns="46800"/>
+                    <a:bodyPr lIns="90000" rIns="90000"/>
                     <a:p>
+                      <a:pPr>
+                        <a:lnSpc>
+                          <a:spcPct val="100000"/>
+                        </a:lnSpc>
+                      </a:pPr>
                       <a:r>
-                        <a:rPr b="0" lang="pt-BR" sz="1200" spc="-1" strike="noStrike">
+                        <a:rPr b="0" lang="en-US" sz="1200" spc="-1" strike="noStrike">
                           <a:latin typeface="Arial"/>
                         </a:rPr>
                         <a:t>Debian</a:t>
                       </a:r>
-                      <a:endParaRPr b="0" lang="pt-BR" sz="1200" spc="-1" strike="noStrike">
+                      <a:endParaRPr b="0" lang="en-US" sz="1200" spc="-1" strike="noStrike">
                         <a:latin typeface="Arial"/>
                       </a:endParaRPr>
                     </a:p>
@@ -7792,7 +8474,7 @@
         <p:spPr>
           <a:xfrm>
             <a:off x="0" y="1001880"/>
-            <a:ext cx="9143280" cy="664560"/>
+            <a:ext cx="9142920" cy="664200"/>
           </a:xfrm>
           <a:prstGeom prst="rect">
             <a:avLst/>
@@ -7836,7 +8518,7 @@
         <p:spPr>
           <a:xfrm>
             <a:off x="206280" y="1100160"/>
-            <a:ext cx="8735400" cy="470880"/>
+            <a:ext cx="8735040" cy="470520"/>
           </a:xfrm>
           <a:prstGeom prst="rect">
             <a:avLst/>
@@ -7885,7 +8567,7 @@
         <p:spPr>
           <a:xfrm>
             <a:off x="228600" y="461880"/>
-            <a:ext cx="8825760" cy="445680"/>
+            <a:ext cx="8825400" cy="445320"/>
           </a:xfrm>
           <a:prstGeom prst="rect">
             <a:avLst/>
@@ -7938,7 +8620,7 @@
         <p:spPr>
           <a:xfrm>
             <a:off x="182880" y="1097280"/>
-            <a:ext cx="8859600" cy="5475960"/>
+            <a:ext cx="8859240" cy="5475600"/>
           </a:xfrm>
           <a:prstGeom prst="rect">
             <a:avLst/>
@@ -8014,7 +8696,7 @@
         <p:spPr>
           <a:xfrm>
             <a:off x="0" y="1001880"/>
-            <a:ext cx="9143280" cy="664560"/>
+            <a:ext cx="9142920" cy="664200"/>
           </a:xfrm>
           <a:prstGeom prst="rect">
             <a:avLst/>
@@ -8058,7 +8740,7 @@
         <p:spPr>
           <a:xfrm>
             <a:off x="206280" y="1100160"/>
-            <a:ext cx="8735400" cy="470880"/>
+            <a:ext cx="8735040" cy="470520"/>
           </a:xfrm>
           <a:prstGeom prst="rect">
             <a:avLst/>
@@ -8107,7 +8789,7 @@
         <p:spPr>
           <a:xfrm>
             <a:off x="179280" y="1770120"/>
-            <a:ext cx="8827200" cy="4118760"/>
+            <a:ext cx="8826840" cy="4118400"/>
           </a:xfrm>
           <a:prstGeom prst="rect">
             <a:avLst/>
@@ -8133,7 +8815,7 @@
         <p:spPr>
           <a:xfrm>
             <a:off x="228600" y="461880"/>
-            <a:ext cx="8825760" cy="445680"/>
+            <a:ext cx="8825400" cy="445320"/>
           </a:xfrm>
           <a:prstGeom prst="rect">
             <a:avLst/>
@@ -8186,7 +8868,7 @@
         <p:spPr>
           <a:xfrm>
             <a:off x="1188720" y="907560"/>
-            <a:ext cx="7705080" cy="5851800"/>
+            <a:ext cx="7704720" cy="5851440"/>
           </a:xfrm>
           <a:prstGeom prst="rect">
             <a:avLst/>
@@ -8262,7 +8944,7 @@
         <p:spPr>
           <a:xfrm>
             <a:off x="0" y="1001880"/>
-            <a:ext cx="9143280" cy="664560"/>
+            <a:ext cx="9142920" cy="664200"/>
           </a:xfrm>
           <a:prstGeom prst="rect">
             <a:avLst/>
@@ -8306,7 +8988,7 @@
         <p:spPr>
           <a:xfrm>
             <a:off x="206280" y="1100160"/>
-            <a:ext cx="8735400" cy="470880"/>
+            <a:ext cx="8735040" cy="470520"/>
           </a:xfrm>
           <a:prstGeom prst="rect">
             <a:avLst/>
@@ -8355,7 +9037,7 @@
         <p:spPr>
           <a:xfrm>
             <a:off x="179280" y="1770120"/>
-            <a:ext cx="8827200" cy="4118760"/>
+            <a:ext cx="8826840" cy="4118400"/>
           </a:xfrm>
           <a:prstGeom prst="rect">
             <a:avLst/>
@@ -8526,7 +9208,7 @@
         <p:spPr>
           <a:xfrm>
             <a:off x="228600" y="461880"/>
-            <a:ext cx="8825760" cy="445680"/>
+            <a:ext cx="8825400" cy="445320"/>
           </a:xfrm>
           <a:prstGeom prst="rect">
             <a:avLst/>

--- a/doc/apresentacao_projeto_arquitetural.pptx
+++ b/doc/apresentacao_projeto_arquitetural.pptx
@@ -3236,7 +3236,7 @@
         <p:spPr>
           <a:xfrm>
             <a:off x="0" y="4599000"/>
-            <a:ext cx="9142920" cy="850680"/>
+            <a:ext cx="9142560" cy="850320"/>
           </a:xfrm>
           <a:prstGeom prst="rect">
             <a:avLst/>
@@ -3288,7 +3288,7 @@
                 <a:latin typeface="Calibri"/>
                 <a:ea typeface="Calibri"/>
               </a:rPr>
-              <a:t>Orientador: Will Machado</a:t>
+              <a:t>Orientadores: Luiz Alberto / Will Machado</a:t>
             </a:r>
             <a:endParaRPr b="0" lang="en-US" sz="2500" spc="-1" strike="noStrike">
               <a:latin typeface="Arial"/>
@@ -3305,7 +3305,7 @@
         <p:spPr>
           <a:xfrm>
             <a:off x="997560" y="1805040"/>
-            <a:ext cx="7064640" cy="2587680"/>
+            <a:ext cx="7064280" cy="2587320"/>
           </a:xfrm>
           <a:prstGeom prst="roundRect">
             <a:avLst>
@@ -3339,7 +3339,7 @@
             <a:noFill/>
           </a:ln>
           <a:effectLst>
-            <a:outerShdw algn="ctr" blurRad="57785" dir="3164682" dist="32112">
+            <a:outerShdw algn="ctr" blurRad="57785" dir="3172144" dist="31608">
               <a:srgbClr val="000000">
                 <a:alpha val="30000"/>
               </a:srgbClr>
@@ -3492,7 +3492,7 @@
         <p:spPr>
           <a:xfrm>
             <a:off x="0" y="1001880"/>
-            <a:ext cx="9142920" cy="664200"/>
+            <a:ext cx="9142560" cy="663840"/>
           </a:xfrm>
           <a:prstGeom prst="rect">
             <a:avLst/>
@@ -3536,7 +3536,7 @@
         <p:spPr>
           <a:xfrm>
             <a:off x="206280" y="1100160"/>
-            <a:ext cx="8735040" cy="470520"/>
+            <a:ext cx="8734680" cy="470160"/>
           </a:xfrm>
           <a:prstGeom prst="rect">
             <a:avLst/>
@@ -3585,7 +3585,7 @@
         <p:spPr>
           <a:xfrm>
             <a:off x="179280" y="1770120"/>
-            <a:ext cx="8826840" cy="4118400"/>
+            <a:ext cx="8826480" cy="4118040"/>
           </a:xfrm>
           <a:prstGeom prst="rect">
             <a:avLst/>
@@ -3604,6 +3604,11 @@
         <p:txBody>
           <a:bodyPr lIns="90000" rIns="90000" tIns="45000" bIns="45000"/>
           <a:p>
+            <a:pPr>
+              <a:lnSpc>
+                <a:spcPct val="100000"/>
+              </a:lnSpc>
+            </a:pPr>
             <a:r>
               <a:rPr b="1" lang="en-US" sz="1300" spc="-1" strike="noStrike">
                 <a:solidFill>
@@ -3639,6 +3644,11 @@
             </a:endParaRPr>
           </a:p>
           <a:p>
+            <a:pPr>
+              <a:lnSpc>
+                <a:spcPct val="100000"/>
+              </a:lnSpc>
+            </a:pPr>
             <a:r>
               <a:rPr b="1" lang="en-US" sz="1300" spc="-1" strike="noStrike">
                 <a:solidFill>
@@ -3674,6 +3684,11 @@
             </a:endParaRPr>
           </a:p>
           <a:p>
+            <a:pPr>
+              <a:lnSpc>
+                <a:spcPct val="100000"/>
+              </a:lnSpc>
+            </a:pPr>
             <a:r>
               <a:rPr b="1" lang="en-US" sz="1300" spc="-1" strike="noStrike">
                 <a:solidFill>
@@ -3709,6 +3724,11 @@
             </a:endParaRPr>
           </a:p>
           <a:p>
+            <a:pPr>
+              <a:lnSpc>
+                <a:spcPct val="100000"/>
+              </a:lnSpc>
+            </a:pPr>
             <a:r>
               <a:rPr b="1" lang="en-US" sz="1300" spc="-1" strike="noStrike">
                 <a:solidFill>
@@ -3744,6 +3764,11 @@
             </a:endParaRPr>
           </a:p>
           <a:p>
+            <a:pPr>
+              <a:lnSpc>
+                <a:spcPct val="100000"/>
+              </a:lnSpc>
+            </a:pPr>
             <a:r>
               <a:rPr b="1" lang="en-US" sz="1300" spc="-1" strike="noStrike">
                 <a:solidFill>
@@ -3779,6 +3804,11 @@
             </a:endParaRPr>
           </a:p>
           <a:p>
+            <a:pPr>
+              <a:lnSpc>
+                <a:spcPct val="100000"/>
+              </a:lnSpc>
+            </a:pPr>
             <a:r>
               <a:rPr b="1" lang="en-US" sz="1300" spc="-1" strike="noStrike">
                 <a:solidFill>
@@ -3866,7 +3896,7 @@
         <p:spPr>
           <a:xfrm>
             <a:off x="228600" y="461880"/>
-            <a:ext cx="8825400" cy="445320"/>
+            <a:ext cx="8825040" cy="444960"/>
           </a:xfrm>
           <a:prstGeom prst="rect">
             <a:avLst/>
@@ -3972,7 +4002,7 @@
         <p:spPr>
           <a:xfrm>
             <a:off x="0" y="1001880"/>
-            <a:ext cx="9142920" cy="664200"/>
+            <a:ext cx="9142560" cy="663840"/>
           </a:xfrm>
           <a:prstGeom prst="rect">
             <a:avLst/>
@@ -4016,7 +4046,7 @@
         <p:spPr>
           <a:xfrm>
             <a:off x="206280" y="1100160"/>
-            <a:ext cx="8735040" cy="470520"/>
+            <a:ext cx="8734680" cy="470160"/>
           </a:xfrm>
           <a:prstGeom prst="rect">
             <a:avLst/>
@@ -4065,7 +4095,7 @@
         <p:spPr>
           <a:xfrm>
             <a:off x="179280" y="1770120"/>
-            <a:ext cx="8826840" cy="4118400"/>
+            <a:ext cx="8826480" cy="4118040"/>
           </a:xfrm>
           <a:prstGeom prst="rect">
             <a:avLst/>
@@ -4084,6 +4114,11 @@
         <p:txBody>
           <a:bodyPr lIns="90000" rIns="90000" tIns="45000" bIns="45000"/>
           <a:p>
+            <a:pPr>
+              <a:lnSpc>
+                <a:spcPct val="100000"/>
+              </a:lnSpc>
+            </a:pPr>
             <a:r>
               <a:rPr b="0" lang="en-US" sz="2000" spc="-1" strike="noStrike">
                 <a:solidFill>
@@ -4109,11 +4144,21 @@
             </a:endParaRPr>
           </a:p>
           <a:p>
+            <a:pPr>
+              <a:lnSpc>
+                <a:spcPct val="100000"/>
+              </a:lnSpc>
+            </a:pPr>
             <a:endParaRPr b="0" lang="en-US" sz="2000" spc="-1" strike="noStrike">
               <a:latin typeface="Arial"/>
             </a:endParaRPr>
           </a:p>
           <a:p>
+            <a:pPr>
+              <a:lnSpc>
+                <a:spcPct val="100000"/>
+              </a:lnSpc>
+            </a:pPr>
             <a:r>
               <a:rPr b="0" lang="en-US" sz="2000" spc="-1" strike="noStrike">
                 <a:solidFill>
@@ -4139,11 +4184,21 @@
             </a:endParaRPr>
           </a:p>
           <a:p>
+            <a:pPr>
+              <a:lnSpc>
+                <a:spcPct val="100000"/>
+              </a:lnSpc>
+            </a:pPr>
             <a:endParaRPr b="0" lang="en-US" sz="2000" spc="-1" strike="noStrike">
               <a:latin typeface="Arial"/>
             </a:endParaRPr>
           </a:p>
           <a:p>
+            <a:pPr>
+              <a:lnSpc>
+                <a:spcPct val="100000"/>
+              </a:lnSpc>
+            </a:pPr>
             <a:r>
               <a:rPr b="0" lang="en-US" sz="2000" spc="-1" strike="noStrike">
                 <a:solidFill>
@@ -4221,7 +4276,7 @@
         <p:spPr>
           <a:xfrm>
             <a:off x="228600" y="461880"/>
-            <a:ext cx="8825400" cy="445320"/>
+            <a:ext cx="8825040" cy="444960"/>
           </a:xfrm>
           <a:prstGeom prst="rect">
             <a:avLst/>
@@ -4327,7 +4382,7 @@
         <p:spPr>
           <a:xfrm>
             <a:off x="0" y="1001880"/>
-            <a:ext cx="9142920" cy="664200"/>
+            <a:ext cx="9142560" cy="663840"/>
           </a:xfrm>
           <a:prstGeom prst="rect">
             <a:avLst/>
@@ -4371,7 +4426,7 @@
         <p:spPr>
           <a:xfrm>
             <a:off x="206280" y="1100160"/>
-            <a:ext cx="8735040" cy="470520"/>
+            <a:ext cx="8734680" cy="470160"/>
           </a:xfrm>
           <a:prstGeom prst="rect">
             <a:avLst/>
@@ -4420,7 +4475,7 @@
         <p:spPr>
           <a:xfrm>
             <a:off x="179280" y="1770120"/>
-            <a:ext cx="8826840" cy="4118400"/>
+            <a:ext cx="8826480" cy="4118040"/>
           </a:xfrm>
           <a:prstGeom prst="rect">
             <a:avLst/>
@@ -4515,7 +4570,7 @@
         <p:spPr>
           <a:xfrm>
             <a:off x="228600" y="461880"/>
-            <a:ext cx="8825400" cy="445320"/>
+            <a:ext cx="8825040" cy="444960"/>
           </a:xfrm>
           <a:prstGeom prst="rect">
             <a:avLst/>
@@ -4621,7 +4676,7 @@
         <p:spPr>
           <a:xfrm>
             <a:off x="0" y="1001880"/>
-            <a:ext cx="9142920" cy="664200"/>
+            <a:ext cx="9142560" cy="663840"/>
           </a:xfrm>
           <a:prstGeom prst="rect">
             <a:avLst/>
@@ -4665,7 +4720,7 @@
         <p:spPr>
           <a:xfrm>
             <a:off x="206280" y="1100160"/>
-            <a:ext cx="8735040" cy="470520"/>
+            <a:ext cx="8734680" cy="470160"/>
           </a:xfrm>
           <a:prstGeom prst="rect">
             <a:avLst/>
@@ -4714,7 +4769,7 @@
         <p:spPr>
           <a:xfrm>
             <a:off x="179280" y="1770120"/>
-            <a:ext cx="8826840" cy="4118400"/>
+            <a:ext cx="8826480" cy="4118040"/>
           </a:xfrm>
           <a:prstGeom prst="rect">
             <a:avLst/>
@@ -4763,7 +4818,7 @@
             </a:endParaRPr>
           </a:p>
           <a:p>
-            <a:pPr marL="216000" indent="-215280">
+            <a:pPr marL="216000" indent="-214920">
               <a:lnSpc>
                 <a:spcPct val="100000"/>
               </a:lnSpc>
@@ -4795,7 +4850,7 @@
             </a:endParaRPr>
           </a:p>
           <a:p>
-            <a:pPr marL="216000" indent="-215280">
+            <a:pPr marL="216000" indent="-214920">
               <a:lnSpc>
                 <a:spcPct val="100000"/>
               </a:lnSpc>
@@ -4837,7 +4892,7 @@
             </a:endParaRPr>
           </a:p>
           <a:p>
-            <a:pPr marL="216000" indent="-215280">
+            <a:pPr marL="216000" indent="-214920">
               <a:lnSpc>
                 <a:spcPct val="100000"/>
               </a:lnSpc>
@@ -4869,7 +4924,7 @@
             </a:endParaRPr>
           </a:p>
           <a:p>
-            <a:pPr marL="216000" indent="-215280">
+            <a:pPr marL="216000" indent="-214920">
               <a:lnSpc>
                 <a:spcPct val="100000"/>
               </a:lnSpc>
@@ -4937,7 +4992,7 @@
         <p:spPr>
           <a:xfrm>
             <a:off x="228600" y="461880"/>
-            <a:ext cx="8825400" cy="445320"/>
+            <a:ext cx="8825040" cy="444960"/>
           </a:xfrm>
           <a:prstGeom prst="rect">
             <a:avLst/>
@@ -5043,7 +5098,7 @@
         <p:spPr>
           <a:xfrm>
             <a:off x="0" y="1001880"/>
-            <a:ext cx="9142920" cy="664200"/>
+            <a:ext cx="9142560" cy="663840"/>
           </a:xfrm>
           <a:prstGeom prst="rect">
             <a:avLst/>
@@ -5087,7 +5142,7 @@
         <p:spPr>
           <a:xfrm>
             <a:off x="206280" y="1100160"/>
-            <a:ext cx="8735040" cy="470520"/>
+            <a:ext cx="8734680" cy="470160"/>
           </a:xfrm>
           <a:prstGeom prst="rect">
             <a:avLst/>
@@ -5136,7 +5191,7 @@
         <p:spPr>
           <a:xfrm>
             <a:off x="179280" y="1770120"/>
-            <a:ext cx="8826840" cy="4118400"/>
+            <a:ext cx="8826480" cy="4118040"/>
           </a:xfrm>
           <a:prstGeom prst="rect">
             <a:avLst/>
@@ -5217,7 +5272,7 @@
         <p:spPr>
           <a:xfrm>
             <a:off x="228600" y="461880"/>
-            <a:ext cx="8825400" cy="445320"/>
+            <a:ext cx="8825040" cy="444960"/>
           </a:xfrm>
           <a:prstGeom prst="rect">
             <a:avLst/>
@@ -5270,7 +5325,7 @@
         <p:spPr>
           <a:xfrm>
             <a:off x="1188720" y="1770120"/>
-            <a:ext cx="6674400" cy="4190400"/>
+            <a:ext cx="6674040" cy="4190040"/>
           </a:xfrm>
           <a:prstGeom prst="rect">
             <a:avLst/>
@@ -5346,7 +5401,7 @@
         <p:spPr>
           <a:xfrm>
             <a:off x="0" y="1001880"/>
-            <a:ext cx="9142920" cy="664200"/>
+            <a:ext cx="9142560" cy="663840"/>
           </a:xfrm>
           <a:prstGeom prst="rect">
             <a:avLst/>
@@ -5390,7 +5445,7 @@
         <p:spPr>
           <a:xfrm>
             <a:off x="206280" y="1100160"/>
-            <a:ext cx="8735040" cy="470520"/>
+            <a:ext cx="8734680" cy="470160"/>
           </a:xfrm>
           <a:prstGeom prst="rect">
             <a:avLst/>
@@ -5439,7 +5494,7 @@
         <p:spPr>
           <a:xfrm>
             <a:off x="179280" y="1770120"/>
-            <a:ext cx="8826840" cy="4118400"/>
+            <a:ext cx="8826480" cy="4118040"/>
           </a:xfrm>
           <a:prstGeom prst="rect">
             <a:avLst/>
@@ -5714,7 +5769,7 @@
         <p:spPr>
           <a:xfrm>
             <a:off x="228600" y="461880"/>
-            <a:ext cx="8825400" cy="445320"/>
+            <a:ext cx="8825040" cy="444960"/>
           </a:xfrm>
           <a:prstGeom prst="rect">
             <a:avLst/>
@@ -5820,7 +5875,7 @@
         <p:spPr>
           <a:xfrm>
             <a:off x="0" y="1001880"/>
-            <a:ext cx="9142920" cy="664200"/>
+            <a:ext cx="9142560" cy="663840"/>
           </a:xfrm>
           <a:prstGeom prst="rect">
             <a:avLst/>
@@ -5864,7 +5919,7 @@
         <p:spPr>
           <a:xfrm>
             <a:off x="206280" y="1100160"/>
-            <a:ext cx="8735040" cy="470520"/>
+            <a:ext cx="8734680" cy="470160"/>
           </a:xfrm>
           <a:prstGeom prst="rect">
             <a:avLst/>
@@ -5913,7 +5968,7 @@
         <p:spPr>
           <a:xfrm>
             <a:off x="3516120" y="1824480"/>
-            <a:ext cx="4071960" cy="4118400"/>
+            <a:ext cx="4071600" cy="4118040"/>
           </a:xfrm>
           <a:prstGeom prst="rect">
             <a:avLst/>
@@ -6176,7 +6231,7 @@
         <p:spPr>
           <a:xfrm>
             <a:off x="228600" y="461880"/>
-            <a:ext cx="8825400" cy="445320"/>
+            <a:ext cx="8825040" cy="444960"/>
           </a:xfrm>
           <a:prstGeom prst="rect">
             <a:avLst/>
@@ -6225,7 +6280,7 @@
         <p:spPr>
           <a:xfrm>
             <a:off x="1151280" y="1866960"/>
-            <a:ext cx="2654640" cy="4118400"/>
+            <a:ext cx="2654280" cy="4118040"/>
           </a:xfrm>
           <a:prstGeom prst="rect">
             <a:avLst/>
@@ -6535,7 +6590,7 @@
         <p:spPr>
           <a:xfrm>
             <a:off x="-10440" y="457200"/>
-            <a:ext cx="9142920" cy="365400"/>
+            <a:ext cx="9142560" cy="365040"/>
           </a:xfrm>
           <a:prstGeom prst="rect">
             <a:avLst/>
@@ -6579,7 +6634,7 @@
         <p:spPr>
           <a:xfrm>
             <a:off x="226800" y="365760"/>
-            <a:ext cx="8735040" cy="470520"/>
+            <a:ext cx="8734680" cy="470160"/>
           </a:xfrm>
           <a:prstGeom prst="rect">
             <a:avLst/>
@@ -6628,7 +6683,7 @@
         <p:spPr>
           <a:xfrm>
             <a:off x="179280" y="1770120"/>
-            <a:ext cx="8826840" cy="4118400"/>
+            <a:ext cx="8826480" cy="4118040"/>
           </a:xfrm>
           <a:prstGeom prst="rect">
             <a:avLst/>
@@ -6654,7 +6709,7 @@
         <p:spPr>
           <a:xfrm>
             <a:off x="226800" y="16200"/>
-            <a:ext cx="8825400" cy="445320"/>
+            <a:ext cx="8825040" cy="444960"/>
           </a:xfrm>
           <a:prstGeom prst="rect">
             <a:avLst/>
@@ -6702,7 +6757,7 @@
         </p:nvGraphicFramePr>
         <p:xfrm>
           <a:off x="151920" y="875520"/>
-          <a:ext cx="8781120" cy="4820760"/>
+          <a:ext cx="8781120" cy="4723560"/>
         </p:xfrm>
         <a:graphic>
           <a:graphicData uri="http://schemas.openxmlformats.org/drawingml/2006/table">
@@ -8474,7 +8529,7 @@
         <p:spPr>
           <a:xfrm>
             <a:off x="0" y="1001880"/>
-            <a:ext cx="9142920" cy="664200"/>
+            <a:ext cx="9142560" cy="663840"/>
           </a:xfrm>
           <a:prstGeom prst="rect">
             <a:avLst/>
@@ -8518,7 +8573,7 @@
         <p:spPr>
           <a:xfrm>
             <a:off x="206280" y="1100160"/>
-            <a:ext cx="8735040" cy="470520"/>
+            <a:ext cx="8734680" cy="470160"/>
           </a:xfrm>
           <a:prstGeom prst="rect">
             <a:avLst/>
@@ -8567,7 +8622,7 @@
         <p:spPr>
           <a:xfrm>
             <a:off x="228600" y="461880"/>
-            <a:ext cx="8825400" cy="445320"/>
+            <a:ext cx="8825040" cy="444960"/>
           </a:xfrm>
           <a:prstGeom prst="rect">
             <a:avLst/>
@@ -8620,7 +8675,7 @@
         <p:spPr>
           <a:xfrm>
             <a:off x="182880" y="1097280"/>
-            <a:ext cx="8859240" cy="5475600"/>
+            <a:ext cx="8858880" cy="5475240"/>
           </a:xfrm>
           <a:prstGeom prst="rect">
             <a:avLst/>
@@ -8696,7 +8751,7 @@
         <p:spPr>
           <a:xfrm>
             <a:off x="0" y="1001880"/>
-            <a:ext cx="9142920" cy="664200"/>
+            <a:ext cx="9142560" cy="663840"/>
           </a:xfrm>
           <a:prstGeom prst="rect">
             <a:avLst/>
@@ -8740,7 +8795,7 @@
         <p:spPr>
           <a:xfrm>
             <a:off x="206280" y="1100160"/>
-            <a:ext cx="8735040" cy="470520"/>
+            <a:ext cx="8734680" cy="470160"/>
           </a:xfrm>
           <a:prstGeom prst="rect">
             <a:avLst/>
@@ -8789,7 +8844,7 @@
         <p:spPr>
           <a:xfrm>
             <a:off x="179280" y="1770120"/>
-            <a:ext cx="8826840" cy="4118400"/>
+            <a:ext cx="8826480" cy="4118040"/>
           </a:xfrm>
           <a:prstGeom prst="rect">
             <a:avLst/>
@@ -8815,7 +8870,7 @@
         <p:spPr>
           <a:xfrm>
             <a:off x="228600" y="461880"/>
-            <a:ext cx="8825400" cy="445320"/>
+            <a:ext cx="8825040" cy="444960"/>
           </a:xfrm>
           <a:prstGeom prst="rect">
             <a:avLst/>
@@ -8868,7 +8923,7 @@
         <p:spPr>
           <a:xfrm>
             <a:off x="1188720" y="907560"/>
-            <a:ext cx="7704720" cy="5851440"/>
+            <a:ext cx="7704360" cy="5851080"/>
           </a:xfrm>
           <a:prstGeom prst="rect">
             <a:avLst/>
@@ -8944,7 +8999,7 @@
         <p:spPr>
           <a:xfrm>
             <a:off x="0" y="1001880"/>
-            <a:ext cx="9142920" cy="664200"/>
+            <a:ext cx="9142560" cy="663840"/>
           </a:xfrm>
           <a:prstGeom prst="rect">
             <a:avLst/>
@@ -8988,7 +9043,7 @@
         <p:spPr>
           <a:xfrm>
             <a:off x="206280" y="1100160"/>
-            <a:ext cx="8735040" cy="470520"/>
+            <a:ext cx="8734680" cy="470160"/>
           </a:xfrm>
           <a:prstGeom prst="rect">
             <a:avLst/>
@@ -9037,7 +9092,7 @@
         <p:spPr>
           <a:xfrm>
             <a:off x="179280" y="1770120"/>
-            <a:ext cx="8826840" cy="4118400"/>
+            <a:ext cx="8826480" cy="4118040"/>
           </a:xfrm>
           <a:prstGeom prst="rect">
             <a:avLst/>
@@ -9208,7 +9263,7 @@
         <p:spPr>
           <a:xfrm>
             <a:off x="228600" y="461880"/>
-            <a:ext cx="8825400" cy="445320"/>
+            <a:ext cx="8825040" cy="444960"/>
           </a:xfrm>
           <a:prstGeom prst="rect">
             <a:avLst/>
